--- a/workshop/slides/iot4aq_introduction.pptx
+++ b/workshop/slides/iot4aq_introduction.pptx
@@ -19,6 +19,10 @@
     <p:sldId id="266" r:id="rId14"/>
     <p:sldId id="267" r:id="rId15"/>
     <p:sldId id="268" r:id="rId16"/>
+    <p:sldId id="269" r:id="rId17"/>
+    <p:sldId id="270" r:id="rId18"/>
+    <p:sldId id="271" r:id="rId19"/>
+    <p:sldId id="272" r:id="rId20"/>
   </p:sldIdLst>
   <p:sldSz cx="10080625" cy="5670550"/>
   <p:notesSz cx="7559675" cy="10691813"/>
@@ -76,7 +80,7 @@
         <p:txBody>
           <a:bodyPr/>
           <a:p>
-            <a:fld id="{B8F5E5DB-F6E2-4A8F-8AC8-CA6B399C7469}" type="slidenum">
+            <a:fld id="{D45D800F-8BDE-465E-8206-7E5FDCD59142}" type="slidenum">
               <a:t>&lt;#&gt;</a:t>
             </a:fld>
           </a:p>
@@ -264,7 +268,7 @@
         <p:txBody>
           <a:bodyPr/>
           <a:p>
-            <a:fld id="{E29FE792-4A17-4C23-8387-ECA51067D3A0}" type="slidenum">
+            <a:fld id="{9B121AE5-C2DB-44C7-958A-503ACF9013EB}" type="slidenum">
               <a:t>&lt;#&gt;</a:t>
             </a:fld>
           </a:p>
@@ -520,7 +524,7 @@
         <p:txBody>
           <a:bodyPr/>
           <a:p>
-            <a:fld id="{5832BC98-4D4E-4A5A-A507-4919F95BFA6B}" type="slidenum">
+            <a:fld id="{30B9B63F-8A90-4D5B-BB78-E3E8E9905237}" type="slidenum">
               <a:t>&lt;#&gt;</a:t>
             </a:fld>
           </a:p>
@@ -844,7 +848,7 @@
         <p:txBody>
           <a:bodyPr/>
           <a:p>
-            <a:fld id="{A53D6333-241E-4A03-B7D4-DEB000071005}" type="slidenum">
+            <a:fld id="{586B8D58-4BA3-4879-82AA-45009ED59E70}" type="slidenum">
               <a:t>&lt;#&gt;</a:t>
             </a:fld>
           </a:p>
@@ -927,7 +931,7 @@
         <p:txBody>
           <a:bodyPr/>
           <a:p>
-            <a:fld id="{1A3D424D-D84F-465F-822B-693D8CB7DCE0}" type="slidenum">
+            <a:fld id="{6EE92FD4-E3D0-4FE3-A99B-163CB59EF9B5}" type="slidenum">
               <a:t>&lt;#&gt;</a:t>
             </a:fld>
           </a:p>
@@ -1084,7 +1088,7 @@
         <p:txBody>
           <a:bodyPr/>
           <a:p>
-            <a:fld id="{70A92B77-C080-4110-BEB0-8835E1A22AE6}" type="slidenum">
+            <a:fld id="{43E62E01-BD4F-4828-ABEE-8A82FC18413C}" type="slidenum">
               <a:t>&lt;#&gt;</a:t>
             </a:fld>
           </a:p>
@@ -1238,7 +1242,7 @@
         <p:txBody>
           <a:bodyPr/>
           <a:p>
-            <a:fld id="{73B0C27C-8570-4C91-AB63-873587FE860A}" type="slidenum">
+            <a:fld id="{535CADFA-46DF-4AB2-82E2-42FC8FC93F14}" type="slidenum">
               <a:t>&lt;#&gt;</a:t>
             </a:fld>
           </a:p>
@@ -1426,7 +1430,7 @@
         <p:txBody>
           <a:bodyPr/>
           <a:p>
-            <a:fld id="{9ABB8C94-61D1-4531-BD26-54667C724E0A}" type="slidenum">
+            <a:fld id="{A4CBA86E-6A35-4BAA-BE5C-1C119BAA9853}" type="slidenum">
               <a:t>&lt;#&gt;</a:t>
             </a:fld>
           </a:p>
@@ -1546,7 +1550,7 @@
         <p:txBody>
           <a:bodyPr/>
           <a:p>
-            <a:fld id="{33725A0B-E668-4D39-933F-B735A35748E8}" type="slidenum">
+            <a:fld id="{B64F33B0-D9F6-457D-A528-8AA1A32E6D58}" type="slidenum">
               <a:t>&lt;#&gt;</a:t>
             </a:fld>
           </a:p>
@@ -1666,7 +1670,7 @@
         <p:txBody>
           <a:bodyPr/>
           <a:p>
-            <a:fld id="{42C34877-8A11-41CC-883C-DFB88DFD9186}" type="slidenum">
+            <a:fld id="{985998EF-3E38-49C6-9A28-2F467353BFC5}" type="slidenum">
               <a:t>&lt;#&gt;</a:t>
             </a:fld>
           </a:p>
@@ -1888,7 +1892,7 @@
         <p:txBody>
           <a:bodyPr/>
           <a:p>
-            <a:fld id="{01C0B99C-7F12-4A14-BA27-8C23F435A542}" type="slidenum">
+            <a:fld id="{4303AB90-1220-4A02-BE1B-5A8F03D20BD8}" type="slidenum">
               <a:t>&lt;#&gt;</a:t>
             </a:fld>
           </a:p>
@@ -2045,7 +2049,7 @@
         <p:txBody>
           <a:bodyPr/>
           <a:p>
-            <a:fld id="{3F2A3D8A-0351-44CC-B52A-90E938D623EB}" type="slidenum">
+            <a:fld id="{171219B3-4275-4728-BC28-CD1AB01F7846}" type="slidenum">
               <a:t>&lt;#&gt;</a:t>
             </a:fld>
           </a:p>
@@ -2267,7 +2271,7 @@
         <p:txBody>
           <a:bodyPr/>
           <a:p>
-            <a:fld id="{20AD0742-3981-42E3-813C-72BFE4B5F797}" type="slidenum">
+            <a:fld id="{4F7047E9-C276-495C-AEC1-FD9D54AC344E}" type="slidenum">
               <a:t>&lt;#&gt;</a:t>
             </a:fld>
           </a:p>
@@ -2489,7 +2493,7 @@
         <p:txBody>
           <a:bodyPr/>
           <a:p>
-            <a:fld id="{C2200564-3CF0-42E9-AB1D-38C917FD903D}" type="slidenum">
+            <a:fld id="{8708CFDA-47EC-4207-B646-CA3C1A667FDD}" type="slidenum">
               <a:t>&lt;#&gt;</a:t>
             </a:fld>
           </a:p>
@@ -2677,7 +2681,7 @@
         <p:txBody>
           <a:bodyPr/>
           <a:p>
-            <a:fld id="{0001A7D5-B40E-4873-B962-D301C8E78CC6}" type="slidenum">
+            <a:fld id="{7BC74E19-7BDC-48A7-B600-9F0C8B55A26F}" type="slidenum">
               <a:t>&lt;#&gt;</a:t>
             </a:fld>
           </a:p>
@@ -2933,7 +2937,7 @@
         <p:txBody>
           <a:bodyPr/>
           <a:p>
-            <a:fld id="{49C13589-EE05-4C6A-8394-40528A4E88AF}" type="slidenum">
+            <a:fld id="{D44942F0-66BB-4CD6-9E56-1959ECBB2BD2}" type="slidenum">
               <a:t>&lt;#&gt;</a:t>
             </a:fld>
           </a:p>
@@ -3257,7 +3261,7 @@
         <p:txBody>
           <a:bodyPr/>
           <a:p>
-            <a:fld id="{C9615C30-771D-4CC4-B16B-F0D2F4B78CBE}" type="slidenum">
+            <a:fld id="{96893DB0-C4AB-4238-9D10-B499E4F219C5}" type="slidenum">
               <a:t>&lt;#&gt;</a:t>
             </a:fld>
           </a:p>
@@ -3411,7 +3415,7 @@
         <p:txBody>
           <a:bodyPr/>
           <a:p>
-            <a:fld id="{B27DBD4A-20ED-4C4A-B66F-A259497955F5}" type="slidenum">
+            <a:fld id="{53B6B509-70C3-40DA-95D5-A441D7BB2D6D}" type="slidenum">
               <a:t>&lt;#&gt;</a:t>
             </a:fld>
           </a:p>
@@ -3599,7 +3603,7 @@
         <p:txBody>
           <a:bodyPr/>
           <a:p>
-            <a:fld id="{8F0B61FA-4670-4365-B232-705EFE22CEA6}" type="slidenum">
+            <a:fld id="{B11F9AE7-E0AD-451F-AF30-DA154EA49D24}" type="slidenum">
               <a:t>&lt;#&gt;</a:t>
             </a:fld>
           </a:p>
@@ -3719,7 +3723,7 @@
         <p:txBody>
           <a:bodyPr/>
           <a:p>
-            <a:fld id="{AFA28A2D-E421-4D72-A88D-64E24317D41C}" type="slidenum">
+            <a:fld id="{FDEAA85E-E42D-45B5-A833-32396E9107E6}" type="slidenum">
               <a:t>&lt;#&gt;</a:t>
             </a:fld>
           </a:p>
@@ -3839,7 +3843,7 @@
         <p:txBody>
           <a:bodyPr/>
           <a:p>
-            <a:fld id="{A84480FF-073D-4926-B4DD-76E4806B695E}" type="slidenum">
+            <a:fld id="{464938EA-3DD5-4696-B084-2D6B845657FB}" type="slidenum">
               <a:t>&lt;#&gt;</a:t>
             </a:fld>
           </a:p>
@@ -4061,7 +4065,7 @@
         <p:txBody>
           <a:bodyPr/>
           <a:p>
-            <a:fld id="{B4F333D0-EC8B-4EDD-A883-C2B0E53CDD6C}" type="slidenum">
+            <a:fld id="{B28638C8-C735-4B13-8716-3CAAD6D4B1F7}" type="slidenum">
               <a:t>&lt;#&gt;</a:t>
             </a:fld>
           </a:p>
@@ -4283,7 +4287,7 @@
         <p:txBody>
           <a:bodyPr/>
           <a:p>
-            <a:fld id="{42E1F58F-6AD3-42A0-AD0A-2C8CFE31E659}" type="slidenum">
+            <a:fld id="{1A5529DE-2081-42AB-B49F-5A7ED2190B2D}" type="slidenum">
               <a:t>&lt;#&gt;</a:t>
             </a:fld>
           </a:p>
@@ -4505,7 +4509,7 @@
         <p:txBody>
           <a:bodyPr/>
           <a:p>
-            <a:fld id="{30BD811C-E85F-4722-9E54-B88C0CE92A13}" type="slidenum">
+            <a:fld id="{AC756A2A-2D51-44A8-9FC2-D83FDCD0B3D3}" type="slidenum">
               <a:t>&lt;#&gt;</a:t>
             </a:fld>
           </a:p>
@@ -4699,7 +4703,7 @@
               </a:lnSpc>
               <a:buNone/>
             </a:pPr>
-            <a:fld id="{AAEF6E79-69CF-4404-BA9D-01A7AADE4C98}" type="slidenum">
+            <a:fld id="{FE1B63B4-0EF9-4036-935D-0742900B3F1F}" type="slidenum">
               <a:rPr b="0" lang="en-US" sz="1400" spc="-1" strike="noStrike">
                 <a:latin typeface="Times New Roman"/>
               </a:rPr>
@@ -5352,7 +5356,7 @@
               </a:lnSpc>
               <a:buNone/>
             </a:pPr>
-            <a:fld id="{7661A134-E3F3-41F5-8C19-42A33C286A2F}" type="slidenum">
+            <a:fld id="{AAD03A3C-11B6-4E39-ACB1-B5FAA65C220C}" type="slidenum">
               <a:rPr b="0" lang="en-US" sz="1400" spc="-1" strike="noStrike">
                 <a:latin typeface="Times New Roman"/>
               </a:rPr>
@@ -5686,7 +5690,7 @@
       </p:grpSpPr>
       <p:sp>
         <p:nvSpPr>
-          <p:cNvPr id="105" name="PlaceHolder 1"/>
+          <p:cNvPr id="106" name="PlaceHolder 1"/>
           <p:cNvSpPr>
             <a:spLocks noGrp="1"/>
           </p:cNvSpPr>
@@ -5696,8 +5700,8 @@
         </p:nvSpPr>
         <p:spPr>
           <a:xfrm>
-            <a:off x="1397520" y="228600"/>
-            <a:ext cx="7746480" cy="1134360"/>
+            <a:off x="1839240" y="196920"/>
+            <a:ext cx="7114320" cy="946080"/>
           </a:xfrm>
           <a:prstGeom prst="rect">
             <a:avLst/>
@@ -5716,20 +5720,20 @@
               <a:buNone/>
             </a:pPr>
             <a:r>
-              <a:rPr b="0" lang="en-US" sz="4000" spc="-1" strike="noStrike">
-                <a:latin typeface="Arial"/>
-              </a:rPr>
-              <a:t>Programming the micro-controller</a:t>
-            </a:r>
-            <a:endParaRPr b="0" lang="en-US" sz="4000" spc="-1" strike="noStrike">
-              <a:latin typeface="Arial"/>
-            </a:endParaRPr>
-          </a:p>
-        </p:txBody>
-      </p:sp>
-      <p:sp>
-        <p:nvSpPr>
-          <p:cNvPr id="106" name="PlaceHolder 2"/>
+              <a:rPr b="0" lang="en-US" sz="4400" spc="-1" strike="noStrike">
+                <a:latin typeface="Arial"/>
+              </a:rPr>
+              <a:t>Arduino Uno</a:t>
+            </a:r>
+            <a:endParaRPr b="0" lang="en-US" sz="4400" spc="-1" strike="noStrike">
+              <a:latin typeface="Arial"/>
+            </a:endParaRPr>
+          </a:p>
+        </p:txBody>
+      </p:sp>
+      <p:sp>
+        <p:nvSpPr>
+          <p:cNvPr id="107" name="PlaceHolder 2"/>
           <p:cNvSpPr>
             <a:spLocks noGrp="1"/>
           </p:cNvSpPr>
@@ -5739,8 +5743,8 @@
         </p:nvSpPr>
         <p:spPr>
           <a:xfrm>
-            <a:off x="685800" y="1600200"/>
-            <a:ext cx="9071280" cy="3200400"/>
+            <a:off x="275400" y="1371600"/>
+            <a:ext cx="5896800" cy="3287880"/>
           </a:xfrm>
           <a:prstGeom prst="rect">
             <a:avLst/>
@@ -5752,33 +5756,33 @@
         </p:spPr>
         <p:txBody>
           <a:bodyPr lIns="0" rIns="0" tIns="0" bIns="0" anchor="t">
-            <a:normAutofit fontScale="87000"/>
-          </a:bodyPr>
-          <a:p>
-            <a:pPr>
-              <a:lnSpc>
-                <a:spcPct val="100000"/>
-              </a:lnSpc>
-              <a:buNone/>
-            </a:pPr>
-            <a:r>
-              <a:rPr b="0" lang="en-US" sz="2200" spc="-1" strike="noStrike">
-                <a:solidFill>
-                  <a:srgbClr val="000000"/>
-                </a:solidFill>
-                <a:latin typeface="Arial"/>
-              </a:rPr>
-              <a:t>Depending on the processor used, several programming environments are available. For the ESP32 you have:</a:t>
-            </a:r>
-            <a:endParaRPr b="0" lang="en-US" sz="2200" spc="-1" strike="noStrike">
+            <a:normAutofit fontScale="80000"/>
+          </a:bodyPr>
+          <a:p>
+            <a:r>
+              <a:rPr b="0" lang="en-US" sz="2000" spc="-1" strike="noStrike">
+                <a:latin typeface="Arial"/>
+              </a:rPr>
+              <a:t>The Arduino SDK was developed for the Arduino board (e.g. Arduino Uno) featuring the</a:t>
+            </a:r>
+            <a:br>
+              <a:rPr sz="2000"/>
+            </a:br>
+            <a:r>
+              <a:rPr b="0" lang="en-US" sz="2000" spc="-1" strike="noStrike">
+                <a:latin typeface="Arial"/>
+              </a:rPr>
+              <a:t>Atmel </a:t>
+            </a:r>
+            <a:endParaRPr b="0" lang="en-US" sz="2000" spc="-1" strike="noStrike">
               <a:latin typeface="Arial"/>
             </a:endParaRPr>
           </a:p>
           <a:p>
             <a:pPr marL="432000" indent="-324000">
-              <a:lnSpc>
-                <a:spcPct val="100000"/>
-              </a:lnSpc>
+              <a:spcBef>
+                <a:spcPts val="1417"/>
+              </a:spcBef>
               <a:buClr>
                 <a:srgbClr val="000000"/>
               </a:buClr>
@@ -5787,23 +5791,20 @@
               <a:buChar char=""/>
             </a:pPr>
             <a:r>
-              <a:rPr b="0" lang="en-US" sz="2200" spc="-1" strike="noStrike">
-                <a:solidFill>
-                  <a:srgbClr val="000000"/>
-                </a:solidFill>
-                <a:latin typeface="Arial"/>
-              </a:rPr>
-              <a:t>esp-idf (ESP integrated development framework) provided by Espressif (not recommended for a beginner programmer)</a:t>
-            </a:r>
-            <a:endParaRPr b="0" lang="en-US" sz="2200" spc="-1" strike="noStrike">
+              <a:rPr b="0" lang="en-US" sz="2000" spc="-1" strike="noStrike">
+                <a:latin typeface="Arial"/>
+              </a:rPr>
+              <a:t>ATMeg328P processor</a:t>
+            </a:r>
+            <a:endParaRPr b="0" lang="en-US" sz="2000" spc="-1" strike="noStrike">
               <a:latin typeface="Arial"/>
             </a:endParaRPr>
           </a:p>
           <a:p>
             <a:pPr marL="432000" indent="-324000">
-              <a:lnSpc>
-                <a:spcPct val="100000"/>
-              </a:lnSpc>
+              <a:spcBef>
+                <a:spcPts val="1417"/>
+              </a:spcBef>
               <a:buClr>
                 <a:srgbClr val="000000"/>
               </a:buClr>
@@ -5812,23 +5813,20 @@
               <a:buChar char=""/>
             </a:pPr>
             <a:r>
-              <a:rPr b="0" lang="en-US" sz="2200" spc="-1" strike="noStrike">
-                <a:solidFill>
-                  <a:srgbClr val="000000"/>
-                </a:solidFill>
-                <a:latin typeface="Arial"/>
-              </a:rPr>
-              <a:t>The Arduino SDK (Software Development Kit) originally developed for the Atmel Atmega chips but today available for many micro-controllers including the ESP32. </a:t>
-            </a:r>
-            <a:endParaRPr b="0" lang="en-US" sz="2200" spc="-1" strike="noStrike">
+              <a:rPr b="0" lang="en-US" sz="2000" spc="-1" strike="noStrike">
+                <a:latin typeface="Arial"/>
+              </a:rPr>
+              <a:t>32kB Flash memory</a:t>
+            </a:r>
+            <a:endParaRPr b="0" lang="en-US" sz="2000" spc="-1" strike="noStrike">
               <a:latin typeface="Arial"/>
             </a:endParaRPr>
           </a:p>
           <a:p>
             <a:pPr marL="432000" indent="-324000">
-              <a:lnSpc>
-                <a:spcPct val="100000"/>
-              </a:lnSpc>
+              <a:spcBef>
+                <a:spcPts val="1417"/>
+              </a:spcBef>
               <a:buClr>
                 <a:srgbClr val="000000"/>
               </a:buClr>
@@ -5837,73 +5835,117 @@
               <a:buChar char=""/>
             </a:pPr>
             <a:r>
-              <a:rPr b="0" lang="en-US" sz="2200" spc="-1" strike="noStrike">
-                <a:solidFill>
-                  <a:srgbClr val="000000"/>
-                </a:solidFill>
-                <a:latin typeface="Arial"/>
-              </a:rPr>
-              <a:t>MicroPython. A stripped down Python-3 interpreter with additional features needed by micro-controllers available for several chips including the ESP32.</a:t>
-            </a:r>
-            <a:endParaRPr b="0" lang="en-US" sz="2200" spc="-1" strike="noStrike">
-              <a:latin typeface="Arial"/>
-            </a:endParaRPr>
-          </a:p>
-          <a:p>
-            <a:pPr>
-              <a:lnSpc>
-                <a:spcPct val="100000"/>
-              </a:lnSpc>
-              <a:buNone/>
-            </a:pPr>
-            <a:endParaRPr b="0" lang="en-US" sz="2200" spc="-1" strike="noStrike">
-              <a:latin typeface="Arial"/>
-            </a:endParaRPr>
-          </a:p>
-          <a:p>
-            <a:pPr>
-              <a:lnSpc>
-                <a:spcPct val="100000"/>
-              </a:lnSpc>
-              <a:buNone/>
-            </a:pPr>
-            <a:r>
-              <a:rPr b="0" lang="en-US" sz="2200" spc="-1" strike="noStrike">
-                <a:solidFill>
-                  <a:srgbClr val="000000"/>
-                </a:solidFill>
-                <a:latin typeface="Arial"/>
-                <a:ea typeface="Noto Sans CJK SC"/>
-              </a:rPr>
-              <a:t>In these lectures we use the </a:t>
-            </a:r>
-            <a:r>
-              <a:rPr b="0" lang="en-US" sz="2200" spc="-1" strike="noStrike">
-                <a:solidFill>
-                  <a:srgbClr val="000000"/>
-                </a:solidFill>
-                <a:latin typeface="Arial"/>
-                <a:hlinkClick r:id="rId1"/>
-              </a:rPr>
-              <a:t>Arduino SDK</a:t>
-            </a:r>
-            <a:endParaRPr b="0" lang="en-US" sz="2200" spc="-1" strike="noStrike">
-              <a:latin typeface="Arial"/>
-            </a:endParaRPr>
-          </a:p>
-          <a:p>
-            <a:pPr>
-              <a:lnSpc>
-                <a:spcPct val="100000"/>
-              </a:lnSpc>
-              <a:buNone/>
-            </a:pPr>
-            <a:endParaRPr b="0" lang="en-US" sz="2200" spc="-1" strike="noStrike">
-              <a:latin typeface="Arial"/>
-            </a:endParaRPr>
-          </a:p>
-        </p:txBody>
-      </p:sp>
+              <a:rPr b="0" lang="en-US" sz="2000" spc="-1" strike="noStrike">
+                <a:latin typeface="Arial"/>
+              </a:rPr>
+              <a:t>2kB SRAM</a:t>
+            </a:r>
+            <a:endParaRPr b="0" lang="en-US" sz="2000" spc="-1" strike="noStrike">
+              <a:latin typeface="Arial"/>
+            </a:endParaRPr>
+          </a:p>
+          <a:p>
+            <a:pPr marL="432000" indent="-324000">
+              <a:spcBef>
+                <a:spcPts val="1417"/>
+              </a:spcBef>
+              <a:buClr>
+                <a:srgbClr val="000000"/>
+              </a:buClr>
+              <a:buSzPct val="45000"/>
+              <a:buFont typeface="Wingdings" charset="2"/>
+              <a:buChar char=""/>
+            </a:pPr>
+            <a:r>
+              <a:rPr b="0" lang="en-US" sz="2000" spc="-1" strike="noStrike">
+                <a:latin typeface="Arial"/>
+              </a:rPr>
+              <a:t>1kB EEPROM</a:t>
+            </a:r>
+            <a:endParaRPr b="0" lang="en-US" sz="2000" spc="-1" strike="noStrike">
+              <a:latin typeface="Arial"/>
+            </a:endParaRPr>
+          </a:p>
+          <a:p>
+            <a:pPr marL="432000" indent="-324000">
+              <a:spcBef>
+                <a:spcPts val="1417"/>
+              </a:spcBef>
+              <a:buClr>
+                <a:srgbClr val="000000"/>
+              </a:buClr>
+              <a:buSzPct val="45000"/>
+              <a:buFont typeface="Wingdings" charset="2"/>
+              <a:buChar char=""/>
+            </a:pPr>
+            <a:r>
+              <a:rPr b="0" lang="en-US" sz="2000" spc="-1" strike="noStrike">
+                <a:latin typeface="Arial"/>
+              </a:rPr>
+              <a:t>a number of interfaces</a:t>
+            </a:r>
+            <a:endParaRPr b="0" lang="en-US" sz="2000" spc="-1" strike="noStrike">
+              <a:latin typeface="Arial"/>
+            </a:endParaRPr>
+          </a:p>
+          <a:p>
+            <a:pPr lvl="1" marL="864000" indent="-324000">
+              <a:spcBef>
+                <a:spcPts val="1134"/>
+              </a:spcBef>
+              <a:buClr>
+                <a:srgbClr val="000000"/>
+              </a:buClr>
+              <a:buSzPct val="75000"/>
+              <a:buFont typeface="Symbol" charset="2"/>
+              <a:buChar char=""/>
+            </a:pPr>
+            <a:r>
+              <a:rPr b="0" lang="en-US" sz="2000" spc="-1" strike="noStrike">
+                <a:latin typeface="Arial"/>
+              </a:rPr>
+              <a:t>GPIO, SPI, I2C, ADC</a:t>
+            </a:r>
+            <a:endParaRPr b="0" lang="en-US" sz="2000" spc="-1" strike="noStrike">
+              <a:latin typeface="Arial"/>
+            </a:endParaRPr>
+          </a:p>
+          <a:p>
+            <a:r>
+              <a:rPr b="0" lang="en-US" sz="2000" spc="-1" strike="noStrike">
+                <a:latin typeface="Arial"/>
+              </a:rPr>
+              <a:t>and a standardized connector for piggy back “shields” </a:t>
+            </a:r>
+            <a:endParaRPr b="0" lang="en-US" sz="2000" spc="-1" strike="noStrike">
+              <a:latin typeface="Arial"/>
+            </a:endParaRPr>
+          </a:p>
+        </p:txBody>
+      </p:sp>
+      <p:pic>
+        <p:nvPicPr>
+          <p:cNvPr id="108" name="" descr=""/>
+          <p:cNvPicPr/>
+          <p:nvPr/>
+        </p:nvPicPr>
+        <p:blipFill>
+          <a:blip r:embed="rId1"/>
+          <a:stretch/>
+        </p:blipFill>
+        <p:spPr>
+          <a:xfrm>
+            <a:off x="5728320" y="1610640"/>
+            <a:ext cx="4228920" cy="2990520"/>
+          </a:xfrm>
+          <a:prstGeom prst="rect">
+            <a:avLst/>
+          </a:prstGeom>
+          <a:ln w="0">
+            <a:noFill/>
+          </a:ln>
+        </p:spPr>
+      </p:pic>
       <p:sp>
         <p:nvSpPr>
           <p:cNvPr id="4" name="PlaceHolder 3"/>
@@ -5938,7 +5980,7 @@
         <p:txBody>
           <a:bodyPr/>
           <a:p>
-            <a:fld id="{9650382B-6D2C-44C1-9633-F9EF2FDC4D1D}" type="slidenum">
+            <a:fld id="{E309B146-F76B-46A5-82EE-3BC5469D3F33}" type="slidenum">
               <a:t>10</a:t>
             </a:fld>
           </a:p>
@@ -5997,7 +6039,7 @@
       </p:grpSpPr>
       <p:sp>
         <p:nvSpPr>
-          <p:cNvPr id="107" name="PlaceHolder 1"/>
+          <p:cNvPr id="109" name="PlaceHolder 1"/>
           <p:cNvSpPr>
             <a:spLocks noGrp="1"/>
           </p:cNvSpPr>
@@ -6007,7 +6049,7 @@
         </p:nvSpPr>
         <p:spPr>
           <a:xfrm>
-            <a:off x="1600200" y="226080"/>
+            <a:off x="1600200" y="228600"/>
             <a:ext cx="7114320" cy="946080"/>
           </a:xfrm>
           <a:prstGeom prst="rect">
@@ -6033,7 +6075,7 @@
               <a:rPr b="0" lang="en-US" sz="4400" spc="-1" strike="noStrike">
                 <a:latin typeface="Arial"/>
               </a:rPr>
-              <a:t>Interfacing to the “things”</a:t>
+              <a:t>The micro-controller</a:t>
             </a:r>
             <a:endParaRPr b="0" lang="en-US" sz="4400" spc="-1" strike="noStrike">
               <a:latin typeface="Arial"/>
@@ -6041,332 +6083,69 @@
           </a:p>
         </p:txBody>
       </p:sp>
-      <p:sp>
-        <p:nvSpPr>
-          <p:cNvPr id="108" name="PlaceHolder 2"/>
-          <p:cNvSpPr>
-            <a:spLocks noGrp="1"/>
-          </p:cNvSpPr>
-          <p:nvPr>
-            <p:ph/>
-          </p:nvPr>
-        </p:nvSpPr>
-        <p:spPr>
-          <a:xfrm>
-            <a:off x="504000" y="1326600"/>
-            <a:ext cx="9071280" cy="3713040"/>
-          </a:xfrm>
-          <a:prstGeom prst="rect">
-            <a:avLst/>
-          </a:prstGeom>
-          <a:noFill/>
-          <a:ln w="0">
-            <a:noFill/>
-          </a:ln>
-        </p:spPr>
-        <p:txBody>
-          <a:bodyPr lIns="0" rIns="0" tIns="0" bIns="0" anchor="t">
-            <a:normAutofit fontScale="83000"/>
-          </a:bodyPr>
-          <a:p>
-            <a:pPr>
-              <a:lnSpc>
-                <a:spcPct val="100000"/>
-              </a:lnSpc>
-              <a:buNone/>
-            </a:pPr>
-            <a:r>
-              <a:rPr b="0" lang="en-US" sz="2200" spc="-1" strike="noStrike">
-                <a:latin typeface="Arial"/>
-              </a:rPr>
-              <a:t>The ESP32 has a big number of interfaces implemented on the chip:</a:t>
-            </a:r>
-            <a:endParaRPr b="0" lang="en-US" sz="2200" spc="-1" strike="noStrike">
-              <a:latin typeface="Arial"/>
-            </a:endParaRPr>
-          </a:p>
-          <a:p>
-            <a:pPr marL="432000" indent="-324000">
-              <a:lnSpc>
-                <a:spcPct val="100000"/>
-              </a:lnSpc>
-              <a:spcBef>
-                <a:spcPts val="1417"/>
-              </a:spcBef>
-              <a:buClr>
-                <a:srgbClr val="000000"/>
-              </a:buClr>
-              <a:buSzPct val="45000"/>
-              <a:buFont typeface="Wingdings" charset="2"/>
-              <a:buChar char=""/>
-            </a:pPr>
-            <a:r>
-              <a:rPr b="0" lang="en-US" sz="2200" spc="-1" strike="noStrike">
-                <a:latin typeface="Arial"/>
-              </a:rPr>
-              <a:t>GPIO pins</a:t>
-            </a:r>
-            <a:endParaRPr b="0" lang="en-US" sz="2200" spc="-1" strike="noStrike">
-              <a:latin typeface="Arial"/>
-            </a:endParaRPr>
-          </a:p>
-          <a:p>
-            <a:pPr marL="432000" indent="-324000">
-              <a:lnSpc>
-                <a:spcPct val="100000"/>
-              </a:lnSpc>
-              <a:spcBef>
-                <a:spcPts val="1417"/>
-              </a:spcBef>
-              <a:buClr>
-                <a:srgbClr val="000000"/>
-              </a:buClr>
-              <a:buSzPct val="45000"/>
-              <a:buFont typeface="Wingdings" charset="2"/>
-              <a:buChar char=""/>
-            </a:pPr>
-            <a:r>
-              <a:rPr b="0" lang="en-US" sz="2200" spc="-1" strike="noStrike">
-                <a:latin typeface="Arial"/>
-              </a:rPr>
-              <a:t>PWM</a:t>
-            </a:r>
-            <a:endParaRPr b="0" lang="en-US" sz="2200" spc="-1" strike="noStrike">
-              <a:latin typeface="Arial"/>
-            </a:endParaRPr>
-          </a:p>
-          <a:p>
-            <a:pPr marL="432000" indent="-324000">
-              <a:lnSpc>
-                <a:spcPct val="100000"/>
-              </a:lnSpc>
-              <a:spcBef>
-                <a:spcPts val="1417"/>
-              </a:spcBef>
-              <a:buClr>
-                <a:srgbClr val="000000"/>
-              </a:buClr>
-              <a:buSzPct val="45000"/>
-              <a:buFont typeface="Wingdings" charset="2"/>
-              <a:buChar char=""/>
-            </a:pPr>
-            <a:r>
-              <a:rPr b="0" lang="en-US" sz="2200" spc="-1" strike="noStrike">
-                <a:latin typeface="Arial"/>
-              </a:rPr>
-              <a:t>Capacitive touch sensor</a:t>
-            </a:r>
-            <a:endParaRPr b="0" lang="en-US" sz="2200" spc="-1" strike="noStrike">
-              <a:latin typeface="Arial"/>
-            </a:endParaRPr>
-          </a:p>
-          <a:p>
-            <a:pPr marL="432000" indent="-324000">
-              <a:lnSpc>
-                <a:spcPct val="100000"/>
-              </a:lnSpc>
-              <a:spcBef>
-                <a:spcPts val="1417"/>
-              </a:spcBef>
-              <a:buClr>
-                <a:srgbClr val="000000"/>
-              </a:buClr>
-              <a:buSzPct val="45000"/>
-              <a:buFont typeface="Wingdings" charset="2"/>
-              <a:buChar char=""/>
-            </a:pPr>
-            <a:r>
-              <a:rPr b="0" lang="en-US" sz="2200" spc="-1" strike="noStrike">
-                <a:latin typeface="Arial"/>
-              </a:rPr>
-              <a:t>I2C (</a:t>
-            </a:r>
-            <a:r>
-              <a:rPr b="1" lang="en-US" sz="2200" spc="-1" strike="noStrike">
-                <a:latin typeface="Arial"/>
-              </a:rPr>
-              <a:t>I</a:t>
-            </a:r>
-            <a:r>
-              <a:rPr b="0" lang="en-US" sz="2200" spc="-1" strike="noStrike">
-                <a:latin typeface="Arial"/>
-              </a:rPr>
-              <a:t>nter </a:t>
-            </a:r>
-            <a:r>
-              <a:rPr b="1" lang="en-US" sz="2200" spc="-1" strike="noStrike">
-                <a:latin typeface="Arial"/>
-              </a:rPr>
-              <a:t>I</a:t>
-            </a:r>
-            <a:r>
-              <a:rPr b="0" lang="en-US" sz="2200" spc="-1" strike="noStrike">
-                <a:latin typeface="Arial"/>
-              </a:rPr>
-              <a:t>ntegrated </a:t>
-            </a:r>
-            <a:r>
-              <a:rPr b="1" lang="en-US" sz="2200" spc="-1" strike="noStrike">
-                <a:latin typeface="Arial"/>
-              </a:rPr>
-              <a:t>C</a:t>
-            </a:r>
-            <a:r>
-              <a:rPr b="0" lang="en-US" sz="2200" spc="-1" strike="noStrike">
-                <a:latin typeface="Arial"/>
-              </a:rPr>
-              <a:t>ircuit) interface </a:t>
-            </a:r>
-            <a:endParaRPr b="0" lang="en-US" sz="2200" spc="-1" strike="noStrike">
-              <a:latin typeface="Arial"/>
-            </a:endParaRPr>
-          </a:p>
-          <a:p>
-            <a:pPr marL="432000" indent="-324000">
-              <a:lnSpc>
-                <a:spcPct val="100000"/>
-              </a:lnSpc>
-              <a:spcBef>
-                <a:spcPts val="1417"/>
-              </a:spcBef>
-              <a:buClr>
-                <a:srgbClr val="000000"/>
-              </a:buClr>
-              <a:buSzPct val="45000"/>
-              <a:buFont typeface="Wingdings" charset="2"/>
-              <a:buChar char=""/>
-            </a:pPr>
-            <a:r>
-              <a:rPr b="0" lang="en-US" sz="2200" spc="-1" strike="noStrike">
-                <a:latin typeface="Arial"/>
-              </a:rPr>
-              <a:t>SPI (</a:t>
-            </a:r>
-            <a:r>
-              <a:rPr b="1" lang="en-US" sz="2200" spc="-1" strike="noStrike">
-                <a:latin typeface="Arial"/>
-              </a:rPr>
-              <a:t>S</a:t>
-            </a:r>
-            <a:r>
-              <a:rPr b="0" lang="en-US" sz="2200" spc="-1" strike="noStrike">
-                <a:latin typeface="Arial"/>
-              </a:rPr>
-              <a:t>erial </a:t>
-            </a:r>
-            <a:r>
-              <a:rPr b="1" lang="en-US" sz="2200" spc="-1" strike="noStrike">
-                <a:latin typeface="Arial"/>
-              </a:rPr>
-              <a:t>P</a:t>
-            </a:r>
-            <a:r>
-              <a:rPr b="0" lang="en-US" sz="2200" spc="-1" strike="noStrike">
-                <a:latin typeface="Arial"/>
-              </a:rPr>
-              <a:t>eripheral </a:t>
-            </a:r>
-            <a:r>
-              <a:rPr b="1" lang="en-US" sz="2200" spc="-1" strike="noStrike">
-                <a:latin typeface="Arial"/>
-              </a:rPr>
-              <a:t>I</a:t>
-            </a:r>
-            <a:r>
-              <a:rPr b="0" lang="en-US" sz="2200" spc="-1" strike="noStrike">
-                <a:latin typeface="Arial"/>
-              </a:rPr>
-              <a:t>nterface) interface</a:t>
-            </a:r>
-            <a:endParaRPr b="0" lang="en-US" sz="2200" spc="-1" strike="noStrike">
-              <a:latin typeface="Arial"/>
-            </a:endParaRPr>
-          </a:p>
-          <a:p>
-            <a:pPr marL="432000" indent="-324000">
-              <a:lnSpc>
-                <a:spcPct val="100000"/>
-              </a:lnSpc>
-              <a:spcBef>
-                <a:spcPts val="1417"/>
-              </a:spcBef>
-              <a:buClr>
-                <a:srgbClr val="000000"/>
-              </a:buClr>
-              <a:buSzPct val="45000"/>
-              <a:buFont typeface="Wingdings" charset="2"/>
-              <a:buChar char=""/>
-            </a:pPr>
-            <a:r>
-              <a:rPr b="0" lang="en-US" sz="2200" spc="-1" strike="noStrike">
-                <a:latin typeface="Arial"/>
-              </a:rPr>
-              <a:t>Analogue to digital converter</a:t>
-            </a:r>
-            <a:endParaRPr b="0" lang="en-US" sz="2200" spc="-1" strike="noStrike">
-              <a:latin typeface="Arial"/>
-            </a:endParaRPr>
-          </a:p>
-          <a:p>
-            <a:pPr marL="432000" indent="-324000">
-              <a:lnSpc>
-                <a:spcPct val="100000"/>
-              </a:lnSpc>
-              <a:spcBef>
-                <a:spcPts val="1417"/>
-              </a:spcBef>
-              <a:buClr>
-                <a:srgbClr val="000000"/>
-              </a:buClr>
-              <a:buSzPct val="45000"/>
-              <a:buFont typeface="Wingdings" charset="2"/>
-              <a:buChar char=""/>
-            </a:pPr>
-            <a:r>
-              <a:rPr b="0" lang="en-US" sz="2200" spc="-1" strike="noStrike">
-                <a:latin typeface="Arial"/>
-              </a:rPr>
-              <a:t>Digital to analogue converter</a:t>
-            </a:r>
-            <a:endParaRPr b="0" lang="en-US" sz="2200" spc="-1" strike="noStrike">
-              <a:latin typeface="Arial"/>
-            </a:endParaRPr>
-          </a:p>
-          <a:p>
-            <a:pPr marL="432000" indent="-324000">
-              <a:lnSpc>
-                <a:spcPct val="100000"/>
-              </a:lnSpc>
-              <a:spcBef>
-                <a:spcPts val="1417"/>
-              </a:spcBef>
-              <a:buClr>
-                <a:srgbClr val="000000"/>
-              </a:buClr>
-              <a:buSzPct val="45000"/>
-              <a:buFont typeface="Wingdings" charset="2"/>
-              <a:buChar char=""/>
-            </a:pPr>
-            <a:r>
-              <a:rPr b="0" lang="en-US" sz="2200" spc="-1" strike="noStrike">
-                <a:latin typeface="Arial"/>
-              </a:rPr>
-              <a:t>Timer</a:t>
-            </a:r>
-            <a:endParaRPr b="0" lang="en-US" sz="2200" spc="-1" strike="noStrike">
-              <a:latin typeface="Arial"/>
-            </a:endParaRPr>
-          </a:p>
-          <a:p>
-            <a:pPr>
-              <a:lnSpc>
-                <a:spcPct val="100000"/>
-              </a:lnSpc>
-              <a:buNone/>
-            </a:pPr>
-            <a:endParaRPr b="0" lang="en-US" sz="2200" spc="-1" strike="noStrike">
-              <a:latin typeface="Arial"/>
-            </a:endParaRPr>
+      <p:pic>
+        <p:nvPicPr>
+          <p:cNvPr id="110" name="" descr=""/>
+          <p:cNvPicPr/>
+          <p:nvPr/>
+        </p:nvPicPr>
+        <p:blipFill>
+          <a:blip r:embed="rId1"/>
+          <a:stretch/>
+        </p:blipFill>
+        <p:spPr>
+          <a:xfrm>
+            <a:off x="241560" y="1449720"/>
+            <a:ext cx="7001640" cy="3298680"/>
+          </a:xfrm>
+          <a:prstGeom prst="rect">
+            <a:avLst/>
+          </a:prstGeom>
+          <a:ln w="0">
+            <a:noFill/>
+          </a:ln>
+        </p:spPr>
+      </p:pic>
+      <p:pic>
+        <p:nvPicPr>
+          <p:cNvPr id="111" name="" descr=""/>
+          <p:cNvPicPr/>
+          <p:nvPr/>
+        </p:nvPicPr>
+        <p:blipFill>
+          <a:blip r:embed="rId2"/>
+          <a:stretch/>
+        </p:blipFill>
+        <p:spPr>
+          <a:xfrm>
+            <a:off x="7611480" y="1078200"/>
+            <a:ext cx="2375640" cy="4085640"/>
+          </a:xfrm>
+          <a:prstGeom prst="rect">
+            <a:avLst/>
+          </a:prstGeom>
+          <a:ln w="0">
+            <a:noFill/>
+          </a:ln>
+        </p:spPr>
+      </p:pic>
+      <p:sp>
+        <p:nvSpPr>
+          <p:cNvPr id="3" name="PlaceHolder 2"/>
+          <p:cNvSpPr>
+            <a:spLocks noGrp="1"/>
+          </p:cNvSpPr>
+          <p:nvPr>
+            <p:ph type="ftr" idx="4"/>
+          </p:nvPr>
+        </p:nvSpPr>
+        <p:spPr/>
+        <p:txBody>
+          <a:bodyPr/>
+          <a:p>
+            <a:r>
+              <a:t>IoT4AQ workshop, Alioune Diop University Bambey, Sénégal</a:t>
+            </a:r>
           </a:p>
         </p:txBody>
       </p:sp>
@@ -6377,26 +6156,6 @@
             <a:spLocks noGrp="1"/>
           </p:cNvSpPr>
           <p:nvPr>
-            <p:ph type="ftr" idx="4"/>
-          </p:nvPr>
-        </p:nvSpPr>
-        <p:spPr/>
-        <p:txBody>
-          <a:bodyPr/>
-          <a:p>
-            <a:r>
-              <a:t>IoT4AQ workshop, Alioune Diop University Bambey, Sénégal</a:t>
-            </a:r>
-          </a:p>
-        </p:txBody>
-      </p:sp>
-      <p:sp>
-        <p:nvSpPr>
-          <p:cNvPr id="5" name="PlaceHolder 4"/>
-          <p:cNvSpPr>
-            <a:spLocks noGrp="1"/>
-          </p:cNvSpPr>
-          <p:nvPr>
             <p:ph type="sldNum" idx="5"/>
           </p:nvPr>
         </p:nvSpPr>
@@ -6404,7 +6163,7 @@
         <p:txBody>
           <a:bodyPr/>
           <a:p>
-            <a:fld id="{A8E424AC-0728-43B7-A7D6-F12DF20D6099}" type="slidenum">
+            <a:fld id="{EAD92CB2-E1E8-450A-8C70-443F80800C91}" type="slidenum">
               <a:t>11</a:t>
             </a:fld>
           </a:p>
@@ -6412,7 +6171,7 @@
       </p:sp>
       <p:sp>
         <p:nvSpPr>
-          <p:cNvPr id="6" name="PlaceHolder 5"/>
+          <p:cNvPr id="5" name="PlaceHolder 4"/>
           <p:cNvSpPr>
             <a:spLocks noGrp="1"/>
           </p:cNvSpPr>
@@ -6463,7 +6222,7 @@
       </p:grpSpPr>
       <p:sp>
         <p:nvSpPr>
-          <p:cNvPr id="109" name="PlaceHolder 1"/>
+          <p:cNvPr id="112" name="PlaceHolder 1"/>
           <p:cNvSpPr>
             <a:spLocks noGrp="1"/>
           </p:cNvSpPr>
@@ -6473,7 +6232,7 @@
         </p:nvSpPr>
         <p:spPr>
           <a:xfrm>
-            <a:off x="1801080" y="0"/>
+            <a:off x="1600200" y="228600"/>
             <a:ext cx="7114320" cy="946080"/>
           </a:xfrm>
           <a:prstGeom prst="rect">
@@ -6499,7 +6258,7 @@
               <a:rPr b="0" lang="en-US" sz="4400" spc="-1" strike="noStrike">
                 <a:latin typeface="Arial"/>
               </a:rPr>
-              <a:t>ESP32 pinout</a:t>
+              <a:t>ESP32 network connection</a:t>
             </a:r>
             <a:endParaRPr b="0" lang="en-US" sz="4400" spc="-1" strike="noStrike">
               <a:latin typeface="Arial"/>
@@ -6509,7 +6268,7 @@
       </p:sp>
       <p:pic>
         <p:nvPicPr>
-          <p:cNvPr id="110" name="" descr=""/>
+          <p:cNvPr id="113" name="" descr=""/>
           <p:cNvPicPr/>
           <p:nvPr/>
         </p:nvPicPr>
@@ -6519,8 +6278,8 @@
         </p:blipFill>
         <p:spPr>
           <a:xfrm>
-            <a:off x="2148120" y="1017720"/>
-            <a:ext cx="6041520" cy="4119480"/>
+            <a:off x="1328760" y="1371600"/>
+            <a:ext cx="7763760" cy="3657600"/>
           </a:xfrm>
           <a:prstGeom prst="rect">
             <a:avLst/>
@@ -6564,7 +6323,7 @@
         <p:txBody>
           <a:bodyPr/>
           <a:p>
-            <a:fld id="{2E57524B-E8A2-415A-8200-F72F4201AA44}" type="slidenum">
+            <a:fld id="{EC7CFB47-E48C-41D8-86F3-E5EEDECAADEB}" type="slidenum">
               <a:t>12</a:t>
             </a:fld>
           </a:p>
@@ -6623,7 +6382,7 @@
       </p:grpSpPr>
       <p:sp>
         <p:nvSpPr>
-          <p:cNvPr id="111" name="PlaceHolder 1"/>
+          <p:cNvPr id="114" name="PlaceHolder 1"/>
           <p:cNvSpPr>
             <a:spLocks noGrp="1"/>
           </p:cNvSpPr>
@@ -6633,7 +6392,7 @@
         </p:nvSpPr>
         <p:spPr>
           <a:xfrm>
-            <a:off x="1572480" y="228600"/>
+            <a:off x="1801080" y="228600"/>
             <a:ext cx="7114320" cy="946080"/>
           </a:xfrm>
           <a:prstGeom prst="rect">
@@ -6656,7 +6415,7 @@
               <a:rPr b="0" lang="en-US" sz="4400" spc="-1" strike="noStrike">
                 <a:latin typeface="Arial"/>
               </a:rPr>
-              <a:t>Checking the system</a:t>
+              <a:t>which micro-controller?</a:t>
             </a:r>
             <a:endParaRPr b="0" lang="en-US" sz="4400" spc="-1" strike="noStrike">
               <a:latin typeface="Arial"/>
@@ -6666,7 +6425,7 @@
       </p:sp>
       <p:sp>
         <p:nvSpPr>
-          <p:cNvPr id="112" name="PlaceHolder 2"/>
+          <p:cNvPr id="115" name="PlaceHolder 2"/>
           <p:cNvSpPr>
             <a:spLocks noGrp="1"/>
           </p:cNvSpPr>
@@ -6676,7 +6435,7 @@
         </p:nvSpPr>
         <p:spPr>
           <a:xfrm>
-            <a:off x="504000" y="1326600"/>
+            <a:off x="457200" y="1326600"/>
             <a:ext cx="9071280" cy="3287880"/>
           </a:xfrm>
           <a:prstGeom prst="rect">
@@ -6689,16 +6448,16 @@
         </p:spPr>
         <p:txBody>
           <a:bodyPr lIns="0" rIns="0" tIns="0" bIns="0" anchor="t">
-            <a:normAutofit/>
-          </a:bodyPr>
-          <a:p>
-            <a:r>
-              <a:rPr b="0" lang="en-US" sz="2400" spc="-1" strike="noStrike">
-                <a:latin typeface="Arial"/>
-              </a:rPr>
-              <a:t>In C the ubiquitous “hello world” program checks if</a:t>
-            </a:r>
-            <a:endParaRPr b="0" lang="en-US" sz="2400" spc="-1" strike="noStrike">
+            <a:normAutofit fontScale="92000"/>
+          </a:bodyPr>
+          <a:p>
+            <a:r>
+              <a:rPr b="0" lang="en-US" sz="2200" spc="-1" strike="noStrike">
+                <a:latin typeface="Arial"/>
+              </a:rPr>
+              <a:t>Question of </a:t>
+            </a:r>
+            <a:endParaRPr b="0" lang="en-US" sz="2200" spc="-1" strike="noStrike">
               <a:latin typeface="Arial"/>
             </a:endParaRPr>
           </a:p>
@@ -6715,12 +6474,12 @@
               <a:buChar char=""/>
             </a:pPr>
             <a:r>
-              <a:rPr b="0" lang="en-US" sz="2400" spc="-1" strike="noStrike">
-                <a:latin typeface="Arial"/>
-              </a:rPr>
-              <a:t>You can edit a program </a:t>
-            </a:r>
-            <a:endParaRPr b="0" lang="en-US" sz="2400" spc="-1" strike="noStrike">
+              <a:rPr b="0" lang="en-US" sz="2200" spc="-1" strike="noStrike">
+                <a:latin typeface="Arial"/>
+              </a:rPr>
+              <a:t>Needs (how much memory, which speed, which interfaces …)</a:t>
+            </a:r>
+            <a:endParaRPr b="0" lang="en-US" sz="2200" spc="-1" strike="noStrike">
               <a:latin typeface="Arial"/>
             </a:endParaRPr>
           </a:p>
@@ -6737,12 +6496,12 @@
               <a:buChar char=""/>
             </a:pPr>
             <a:r>
-              <a:rPr b="0" lang="en-US" sz="2400" spc="-1" strike="noStrike">
-                <a:latin typeface="Arial"/>
-              </a:rPr>
-              <a:t>You can compile and link it</a:t>
-            </a:r>
-            <a:endParaRPr b="0" lang="en-US" sz="2400" spc="-1" strike="noStrike">
+              <a:rPr b="0" lang="en-US" sz="2200" spc="-1" strike="noStrike">
+                <a:latin typeface="Arial"/>
+              </a:rPr>
+              <a:t>Budget</a:t>
+            </a:r>
+            <a:endParaRPr b="0" lang="en-US" sz="2200" spc="-1" strike="noStrike">
               <a:latin typeface="Arial"/>
             </a:endParaRPr>
           </a:p>
@@ -6759,9 +6518,1241 @@
               <a:buChar char=""/>
             </a:pPr>
             <a:r>
+              <a:rPr b="0" lang="en-US" sz="2200" spc="-1" strike="noStrike">
+                <a:latin typeface="Arial"/>
+              </a:rPr>
+              <a:t>Software environment and programming language</a:t>
+            </a:r>
+            <a:endParaRPr b="0" lang="en-US" sz="2200" spc="-1" strike="noStrike">
+              <a:latin typeface="Arial"/>
+            </a:endParaRPr>
+          </a:p>
+          <a:p>
+            <a:pPr marL="432000" indent="-324000">
+              <a:spcBef>
+                <a:spcPts val="1417"/>
+              </a:spcBef>
+              <a:buClr>
+                <a:srgbClr val="000000"/>
+              </a:buClr>
+              <a:buSzPct val="45000"/>
+              <a:buFont typeface="Wingdings" charset="2"/>
+              <a:buChar char=""/>
+            </a:pPr>
+            <a:r>
+              <a:rPr b="0" lang="en-US" sz="2200" spc="-1" strike="noStrike">
+                <a:latin typeface="Arial"/>
+              </a:rPr>
+              <a:t>Previous experience</a:t>
+            </a:r>
+            <a:endParaRPr b="0" lang="en-US" sz="2200" spc="-1" strike="noStrike">
+              <a:latin typeface="Arial"/>
+            </a:endParaRPr>
+          </a:p>
+          <a:p>
+            <a:pPr marL="432000" indent="-324000">
+              <a:spcBef>
+                <a:spcPts val="1417"/>
+              </a:spcBef>
+              <a:buClr>
+                <a:srgbClr val="000000"/>
+              </a:buClr>
+              <a:buSzPct val="45000"/>
+              <a:buFont typeface="Wingdings" charset="2"/>
+              <a:buChar char=""/>
+            </a:pPr>
+            <a:r>
+              <a:rPr b="0" lang="en-US" sz="2200" spc="-1" strike="noStrike">
+                <a:latin typeface="Arial"/>
+              </a:rPr>
+              <a:t>Taste</a:t>
+            </a:r>
+            <a:endParaRPr b="0" lang="en-US" sz="2200" spc="-1" strike="noStrike">
+              <a:latin typeface="Arial"/>
+            </a:endParaRPr>
+          </a:p>
+          <a:p>
+            <a:r>
+              <a:rPr b="0" lang="en-US" sz="2200" spc="-1" strike="noStrike">
+                <a:latin typeface="Arial"/>
+              </a:rPr>
+              <a:t>Because of its computing power, its interfaces, its network connectivity and its low price we selected the ESP32 </a:t>
+            </a:r>
+            <a:endParaRPr b="0" lang="en-US" sz="2200" spc="-1" strike="noStrike">
+              <a:latin typeface="Arial"/>
+            </a:endParaRPr>
+          </a:p>
+        </p:txBody>
+      </p:sp>
+      <p:sp>
+        <p:nvSpPr>
+          <p:cNvPr id="4" name="PlaceHolder 3"/>
+          <p:cNvSpPr>
+            <a:spLocks noGrp="1"/>
+          </p:cNvSpPr>
+          <p:nvPr>
+            <p:ph type="ftr" idx="4"/>
+          </p:nvPr>
+        </p:nvSpPr>
+        <p:spPr/>
+        <p:txBody>
+          <a:bodyPr/>
+          <a:p>
+            <a:r>
+              <a:t>IoT4AQ workshop, Alioune Diop University Bambey, Sénégal</a:t>
+            </a:r>
+          </a:p>
+        </p:txBody>
+      </p:sp>
+      <p:sp>
+        <p:nvSpPr>
+          <p:cNvPr id="5" name="PlaceHolder 4"/>
+          <p:cNvSpPr>
+            <a:spLocks noGrp="1"/>
+          </p:cNvSpPr>
+          <p:nvPr>
+            <p:ph type="sldNum" idx="5"/>
+          </p:nvPr>
+        </p:nvSpPr>
+        <p:spPr/>
+        <p:txBody>
+          <a:bodyPr/>
+          <a:p>
+            <a:fld id="{7C27CBC0-F7F1-4D38-81AC-55D192820689}" type="slidenum">
+              <a:t>13</a:t>
+            </a:fld>
+          </a:p>
+        </p:txBody>
+      </p:sp>
+      <p:sp>
+        <p:nvSpPr>
+          <p:cNvPr id="6" name="PlaceHolder 5"/>
+          <p:cNvSpPr>
+            <a:spLocks noGrp="1"/>
+          </p:cNvSpPr>
+          <p:nvPr>
+            <p:ph type="dt" idx="6"/>
+          </p:nvPr>
+        </p:nvSpPr>
+        <p:spPr/>
+        <p:txBody>
+          <a:bodyPr/>
+          <a:p>
+            <a:r>
+              <a:rPr lang="en-US"/>
+              <a:t>14.-15. Mar. 2024</a:t>
+            </a:r>
+          </a:p>
+        </p:txBody>
+      </p:sp>
+    </p:spTree>
+  </p:cSld>
+  <mc:AlternateContent>
+    <mc:Choice Requires="p14">
+      <p:transition spd="slow" p14:dur="2000"/>
+    </mc:Choice>
+    <mc:Fallback>
+      <p:transition spd="slow"/>
+    </mc:Fallback>
+  </mc:AlternateContent>
+</p:sld>
+</file>
+
+<file path=ppt/slides/slide14.xml><?xml version="1.0" encoding="utf-8"?>
+<p:sld xmlns:a="http://schemas.openxmlformats.org/drawingml/2006/main" xmlns:p="http://schemas.openxmlformats.org/presentationml/2006/main" xmlns:r="http://schemas.openxmlformats.org/officeDocument/2006/relationships" xmlns:p14="http://schemas.microsoft.com/office/powerpoint/2010/main" xmlns:p15="http://schemas.microsoft.com/office/powerpoint/2012/main" xmlns:mc="http://schemas.openxmlformats.org/markup-compatibility/2006">
+  <p:cSld>
+    <p:spTree>
+      <p:nvGrpSpPr>
+        <p:cNvPr id="1" name=""/>
+        <p:cNvGrpSpPr/>
+        <p:nvPr/>
+      </p:nvGrpSpPr>
+      <p:grpSpPr>
+        <a:xfrm>
+          <a:off x="0" y="0"/>
+          <a:ext cx="0" cy="0"/>
+          <a:chOff x="0" y="0"/>
+          <a:chExt cx="0" cy="0"/>
+        </a:xfrm>
+      </p:grpSpPr>
+      <p:sp>
+        <p:nvSpPr>
+          <p:cNvPr id="116" name="PlaceHolder 1"/>
+          <p:cNvSpPr>
+            <a:spLocks noGrp="1"/>
+          </p:cNvSpPr>
+          <p:nvPr>
+            <p:ph type="title"/>
+          </p:nvPr>
+        </p:nvSpPr>
+        <p:spPr>
+          <a:xfrm>
+            <a:off x="1397520" y="228600"/>
+            <a:ext cx="7746480" cy="1134360"/>
+          </a:xfrm>
+          <a:prstGeom prst="rect">
+            <a:avLst/>
+          </a:prstGeom>
+          <a:noFill/>
+          <a:ln w="0">
+            <a:noFill/>
+          </a:ln>
+        </p:spPr>
+        <p:txBody>
+          <a:bodyPr lIns="0" rIns="0" tIns="0" bIns="0" anchor="ctr">
+            <a:noAutofit/>
+          </a:bodyPr>
+          <a:p>
+            <a:pPr algn="ctr">
+              <a:buNone/>
+            </a:pPr>
+            <a:r>
+              <a:rPr b="0" lang="en-US" sz="4000" spc="-1" strike="noStrike">
+                <a:latin typeface="Arial"/>
+              </a:rPr>
+              <a:t>Programming the micro-controller</a:t>
+            </a:r>
+            <a:endParaRPr b="0" lang="en-US" sz="4000" spc="-1" strike="noStrike">
+              <a:latin typeface="Arial"/>
+            </a:endParaRPr>
+          </a:p>
+        </p:txBody>
+      </p:sp>
+      <p:sp>
+        <p:nvSpPr>
+          <p:cNvPr id="117" name="PlaceHolder 2"/>
+          <p:cNvSpPr>
+            <a:spLocks noGrp="1"/>
+          </p:cNvSpPr>
+          <p:nvPr>
+            <p:ph/>
+          </p:nvPr>
+        </p:nvSpPr>
+        <p:spPr>
+          <a:xfrm>
+            <a:off x="685800" y="1600200"/>
+            <a:ext cx="9071280" cy="3200400"/>
+          </a:xfrm>
+          <a:prstGeom prst="rect">
+            <a:avLst/>
+          </a:prstGeom>
+          <a:noFill/>
+          <a:ln w="0">
+            <a:noFill/>
+          </a:ln>
+        </p:spPr>
+        <p:txBody>
+          <a:bodyPr lIns="0" rIns="0" tIns="0" bIns="0" anchor="t">
+            <a:normAutofit fontScale="87000"/>
+          </a:bodyPr>
+          <a:p>
+            <a:pPr>
+              <a:lnSpc>
+                <a:spcPct val="100000"/>
+              </a:lnSpc>
+              <a:buNone/>
+            </a:pPr>
+            <a:r>
+              <a:rPr b="0" lang="en-US" sz="2200" spc="-1" strike="noStrike">
+                <a:solidFill>
+                  <a:srgbClr val="000000"/>
+                </a:solidFill>
+                <a:latin typeface="Arial"/>
+              </a:rPr>
+              <a:t>Depending on the processor used, several programming environments are available. For the ESP32 you have:</a:t>
+            </a:r>
+            <a:endParaRPr b="0" lang="en-US" sz="2200" spc="-1" strike="noStrike">
+              <a:latin typeface="Arial"/>
+            </a:endParaRPr>
+          </a:p>
+          <a:p>
+            <a:pPr marL="432000" indent="-324000">
+              <a:lnSpc>
+                <a:spcPct val="100000"/>
+              </a:lnSpc>
+              <a:buClr>
+                <a:srgbClr val="000000"/>
+              </a:buClr>
+              <a:buSzPct val="45000"/>
+              <a:buFont typeface="Wingdings" charset="2"/>
+              <a:buChar char=""/>
+            </a:pPr>
+            <a:r>
+              <a:rPr b="0" lang="en-US" sz="2200" spc="-1" strike="noStrike">
+                <a:solidFill>
+                  <a:srgbClr val="000000"/>
+                </a:solidFill>
+                <a:latin typeface="Arial"/>
+              </a:rPr>
+              <a:t>esp-idf (ESP integrated development framework) provided by Espressif (not recommended for a beginner programmer)</a:t>
+            </a:r>
+            <a:endParaRPr b="0" lang="en-US" sz="2200" spc="-1" strike="noStrike">
+              <a:latin typeface="Arial"/>
+            </a:endParaRPr>
+          </a:p>
+          <a:p>
+            <a:pPr marL="432000" indent="-324000">
+              <a:lnSpc>
+                <a:spcPct val="100000"/>
+              </a:lnSpc>
+              <a:buClr>
+                <a:srgbClr val="000000"/>
+              </a:buClr>
+              <a:buSzPct val="45000"/>
+              <a:buFont typeface="Wingdings" charset="2"/>
+              <a:buChar char=""/>
+            </a:pPr>
+            <a:r>
+              <a:rPr b="0" lang="en-US" sz="2200" spc="-1" strike="noStrike">
+                <a:solidFill>
+                  <a:srgbClr val="000000"/>
+                </a:solidFill>
+                <a:latin typeface="Arial"/>
+              </a:rPr>
+              <a:t>The Arduino SDK (Software Development Kit) originally developed for the Atmel Atmega chips but today available for many micro-controllers including the ESP32. </a:t>
+            </a:r>
+            <a:endParaRPr b="0" lang="en-US" sz="2200" spc="-1" strike="noStrike">
+              <a:latin typeface="Arial"/>
+            </a:endParaRPr>
+          </a:p>
+          <a:p>
+            <a:pPr marL="432000" indent="-324000">
+              <a:lnSpc>
+                <a:spcPct val="100000"/>
+              </a:lnSpc>
+              <a:buClr>
+                <a:srgbClr val="000000"/>
+              </a:buClr>
+              <a:buSzPct val="45000"/>
+              <a:buFont typeface="Wingdings" charset="2"/>
+              <a:buChar char=""/>
+            </a:pPr>
+            <a:r>
+              <a:rPr b="0" lang="en-US" sz="2200" spc="-1" strike="noStrike">
+                <a:solidFill>
+                  <a:srgbClr val="000000"/>
+                </a:solidFill>
+                <a:latin typeface="Arial"/>
+              </a:rPr>
+              <a:t>MicroPython. A stripped down Python-3 interpreter with additional features needed by micro-controllers available for several chips including the ESP32.</a:t>
+            </a:r>
+            <a:endParaRPr b="0" lang="en-US" sz="2200" spc="-1" strike="noStrike">
+              <a:latin typeface="Arial"/>
+            </a:endParaRPr>
+          </a:p>
+          <a:p>
+            <a:pPr>
+              <a:lnSpc>
+                <a:spcPct val="100000"/>
+              </a:lnSpc>
+              <a:buNone/>
+            </a:pPr>
+            <a:endParaRPr b="0" lang="en-US" sz="2200" spc="-1" strike="noStrike">
+              <a:latin typeface="Arial"/>
+            </a:endParaRPr>
+          </a:p>
+          <a:p>
+            <a:pPr>
+              <a:lnSpc>
+                <a:spcPct val="100000"/>
+              </a:lnSpc>
+              <a:buNone/>
+            </a:pPr>
+            <a:r>
+              <a:rPr b="0" lang="en-US" sz="2200" spc="-1" strike="noStrike">
+                <a:solidFill>
+                  <a:srgbClr val="000000"/>
+                </a:solidFill>
+                <a:latin typeface="Arial"/>
+                <a:ea typeface="Noto Sans CJK SC"/>
+              </a:rPr>
+              <a:t>In these lectures we use the </a:t>
+            </a:r>
+            <a:r>
+              <a:rPr b="0" lang="en-US" sz="2200" spc="-1" strike="noStrike">
+                <a:solidFill>
+                  <a:srgbClr val="000000"/>
+                </a:solidFill>
+                <a:latin typeface="Arial"/>
+                <a:hlinkClick r:id="rId1"/>
+              </a:rPr>
+              <a:t>Arduino SDK</a:t>
+            </a:r>
+            <a:endParaRPr b="0" lang="en-US" sz="2200" spc="-1" strike="noStrike">
+              <a:latin typeface="Arial"/>
+            </a:endParaRPr>
+          </a:p>
+          <a:p>
+            <a:pPr>
+              <a:lnSpc>
+                <a:spcPct val="100000"/>
+              </a:lnSpc>
+              <a:buNone/>
+            </a:pPr>
+            <a:endParaRPr b="0" lang="en-US" sz="2200" spc="-1" strike="noStrike">
+              <a:latin typeface="Arial"/>
+            </a:endParaRPr>
+          </a:p>
+        </p:txBody>
+      </p:sp>
+      <p:sp>
+        <p:nvSpPr>
+          <p:cNvPr id="4" name="PlaceHolder 3"/>
+          <p:cNvSpPr>
+            <a:spLocks noGrp="1"/>
+          </p:cNvSpPr>
+          <p:nvPr>
+            <p:ph type="ftr" idx="4"/>
+          </p:nvPr>
+        </p:nvSpPr>
+        <p:spPr/>
+        <p:txBody>
+          <a:bodyPr/>
+          <a:p>
+            <a:r>
+              <a:t>IoT4AQ workshop, Alioune Diop University Bambey, Sénégal</a:t>
+            </a:r>
+          </a:p>
+        </p:txBody>
+      </p:sp>
+      <p:sp>
+        <p:nvSpPr>
+          <p:cNvPr id="5" name="PlaceHolder 4"/>
+          <p:cNvSpPr>
+            <a:spLocks noGrp="1"/>
+          </p:cNvSpPr>
+          <p:nvPr>
+            <p:ph type="sldNum" idx="5"/>
+          </p:nvPr>
+        </p:nvSpPr>
+        <p:spPr/>
+        <p:txBody>
+          <a:bodyPr/>
+          <a:p>
+            <a:fld id="{06C42963-F7BC-468B-A30F-AD758D34873B}" type="slidenum">
+              <a:t>14</a:t>
+            </a:fld>
+          </a:p>
+        </p:txBody>
+      </p:sp>
+      <p:sp>
+        <p:nvSpPr>
+          <p:cNvPr id="6" name="PlaceHolder 5"/>
+          <p:cNvSpPr>
+            <a:spLocks noGrp="1"/>
+          </p:cNvSpPr>
+          <p:nvPr>
+            <p:ph type="dt" idx="6"/>
+          </p:nvPr>
+        </p:nvSpPr>
+        <p:spPr/>
+        <p:txBody>
+          <a:bodyPr/>
+          <a:p>
+            <a:r>
+              <a:rPr lang="en-US"/>
+              <a:t>14.-15. Mar. 2024</a:t>
+            </a:r>
+          </a:p>
+        </p:txBody>
+      </p:sp>
+    </p:spTree>
+  </p:cSld>
+  <mc:AlternateContent>
+    <mc:Choice Requires="p14">
+      <p:transition spd="slow" p14:dur="2000"/>
+    </mc:Choice>
+    <mc:Fallback>
+      <p:transition spd="slow"/>
+    </mc:Fallback>
+  </mc:AlternateContent>
+</p:sld>
+</file>
+
+<file path=ppt/slides/slide15.xml><?xml version="1.0" encoding="utf-8"?>
+<p:sld xmlns:a="http://schemas.openxmlformats.org/drawingml/2006/main" xmlns:p="http://schemas.openxmlformats.org/presentationml/2006/main" xmlns:r="http://schemas.openxmlformats.org/officeDocument/2006/relationships" xmlns:p14="http://schemas.microsoft.com/office/powerpoint/2010/main" xmlns:p15="http://schemas.microsoft.com/office/powerpoint/2012/main" xmlns:mc="http://schemas.openxmlformats.org/markup-compatibility/2006">
+  <p:cSld>
+    <p:spTree>
+      <p:nvGrpSpPr>
+        <p:cNvPr id="1" name=""/>
+        <p:cNvGrpSpPr/>
+        <p:nvPr/>
+      </p:nvGrpSpPr>
+      <p:grpSpPr>
+        <a:xfrm>
+          <a:off x="0" y="0"/>
+          <a:ext cx="0" cy="0"/>
+          <a:chOff x="0" y="0"/>
+          <a:chExt cx="0" cy="0"/>
+        </a:xfrm>
+      </p:grpSpPr>
+      <p:sp>
+        <p:nvSpPr>
+          <p:cNvPr id="118" name="PlaceHolder 1"/>
+          <p:cNvSpPr>
+            <a:spLocks noGrp="1"/>
+          </p:cNvSpPr>
+          <p:nvPr>
+            <p:ph type="title"/>
+          </p:nvPr>
+        </p:nvSpPr>
+        <p:spPr>
+          <a:xfrm>
+            <a:off x="1600200" y="226080"/>
+            <a:ext cx="7114320" cy="946080"/>
+          </a:xfrm>
+          <a:prstGeom prst="rect">
+            <a:avLst/>
+          </a:prstGeom>
+          <a:noFill/>
+          <a:ln w="0">
+            <a:noFill/>
+          </a:ln>
+        </p:spPr>
+        <p:txBody>
+          <a:bodyPr lIns="0" rIns="0" tIns="0" bIns="0" anchor="ctr">
+            <a:noAutofit/>
+          </a:bodyPr>
+          <a:p>
+            <a:pPr algn="ctr">
+              <a:lnSpc>
+                <a:spcPct val="100000"/>
+              </a:lnSpc>
+              <a:buNone/>
+            </a:pPr>
+            <a:r>
+              <a:rPr b="0" lang="en-US" sz="4400" spc="-1" strike="noStrike">
+                <a:latin typeface="Arial"/>
+              </a:rPr>
+              <a:t>Interfacing to the “things”</a:t>
+            </a:r>
+            <a:endParaRPr b="0" lang="en-US" sz="4400" spc="-1" strike="noStrike">
+              <a:latin typeface="Arial"/>
+            </a:endParaRPr>
+          </a:p>
+        </p:txBody>
+      </p:sp>
+      <p:sp>
+        <p:nvSpPr>
+          <p:cNvPr id="119" name="PlaceHolder 2"/>
+          <p:cNvSpPr>
+            <a:spLocks noGrp="1"/>
+          </p:cNvSpPr>
+          <p:nvPr>
+            <p:ph/>
+          </p:nvPr>
+        </p:nvSpPr>
+        <p:spPr>
+          <a:xfrm>
+            <a:off x="504000" y="1326600"/>
+            <a:ext cx="9071280" cy="3713040"/>
+          </a:xfrm>
+          <a:prstGeom prst="rect">
+            <a:avLst/>
+          </a:prstGeom>
+          <a:noFill/>
+          <a:ln w="0">
+            <a:noFill/>
+          </a:ln>
+        </p:spPr>
+        <p:txBody>
+          <a:bodyPr lIns="0" rIns="0" tIns="0" bIns="0" anchor="t">
+            <a:normAutofit fontScale="83000"/>
+          </a:bodyPr>
+          <a:p>
+            <a:pPr>
+              <a:lnSpc>
+                <a:spcPct val="100000"/>
+              </a:lnSpc>
+              <a:buNone/>
+            </a:pPr>
+            <a:r>
+              <a:rPr b="0" lang="en-US" sz="2200" spc="-1" strike="noStrike">
+                <a:latin typeface="Arial"/>
+              </a:rPr>
+              <a:t>The ESP32 has a big number of interfaces implemented on the chip:</a:t>
+            </a:r>
+            <a:endParaRPr b="0" lang="en-US" sz="2200" spc="-1" strike="noStrike">
+              <a:latin typeface="Arial"/>
+            </a:endParaRPr>
+          </a:p>
+          <a:p>
+            <a:pPr marL="432000" indent="-324000">
+              <a:lnSpc>
+                <a:spcPct val="100000"/>
+              </a:lnSpc>
+              <a:spcBef>
+                <a:spcPts val="1417"/>
+              </a:spcBef>
+              <a:buClr>
+                <a:srgbClr val="000000"/>
+              </a:buClr>
+              <a:buSzPct val="45000"/>
+              <a:buFont typeface="Wingdings" charset="2"/>
+              <a:buChar char=""/>
+            </a:pPr>
+            <a:r>
+              <a:rPr b="0" lang="en-US" sz="2200" spc="-1" strike="noStrike">
+                <a:latin typeface="Arial"/>
+              </a:rPr>
+              <a:t>GPIO pins</a:t>
+            </a:r>
+            <a:endParaRPr b="0" lang="en-US" sz="2200" spc="-1" strike="noStrike">
+              <a:latin typeface="Arial"/>
+            </a:endParaRPr>
+          </a:p>
+          <a:p>
+            <a:pPr marL="432000" indent="-324000">
+              <a:lnSpc>
+                <a:spcPct val="100000"/>
+              </a:lnSpc>
+              <a:spcBef>
+                <a:spcPts val="1417"/>
+              </a:spcBef>
+              <a:buClr>
+                <a:srgbClr val="000000"/>
+              </a:buClr>
+              <a:buSzPct val="45000"/>
+              <a:buFont typeface="Wingdings" charset="2"/>
+              <a:buChar char=""/>
+            </a:pPr>
+            <a:r>
+              <a:rPr b="0" lang="en-US" sz="2200" spc="-1" strike="noStrike">
+                <a:latin typeface="Arial"/>
+              </a:rPr>
+              <a:t>PWM</a:t>
+            </a:r>
+            <a:endParaRPr b="0" lang="en-US" sz="2200" spc="-1" strike="noStrike">
+              <a:latin typeface="Arial"/>
+            </a:endParaRPr>
+          </a:p>
+          <a:p>
+            <a:pPr marL="432000" indent="-324000">
+              <a:lnSpc>
+                <a:spcPct val="100000"/>
+              </a:lnSpc>
+              <a:spcBef>
+                <a:spcPts val="1417"/>
+              </a:spcBef>
+              <a:buClr>
+                <a:srgbClr val="000000"/>
+              </a:buClr>
+              <a:buSzPct val="45000"/>
+              <a:buFont typeface="Wingdings" charset="2"/>
+              <a:buChar char=""/>
+            </a:pPr>
+            <a:r>
+              <a:rPr b="0" lang="en-US" sz="2200" spc="-1" strike="noStrike">
+                <a:latin typeface="Arial"/>
+              </a:rPr>
+              <a:t>Capacitive touch sensor</a:t>
+            </a:r>
+            <a:endParaRPr b="0" lang="en-US" sz="2200" spc="-1" strike="noStrike">
+              <a:latin typeface="Arial"/>
+            </a:endParaRPr>
+          </a:p>
+          <a:p>
+            <a:pPr marL="432000" indent="-324000">
+              <a:lnSpc>
+                <a:spcPct val="100000"/>
+              </a:lnSpc>
+              <a:spcBef>
+                <a:spcPts val="1417"/>
+              </a:spcBef>
+              <a:buClr>
+                <a:srgbClr val="000000"/>
+              </a:buClr>
+              <a:buSzPct val="45000"/>
+              <a:buFont typeface="Wingdings" charset="2"/>
+              <a:buChar char=""/>
+            </a:pPr>
+            <a:r>
+              <a:rPr b="0" lang="en-US" sz="2200" spc="-1" strike="noStrike">
+                <a:latin typeface="Arial"/>
+              </a:rPr>
+              <a:t>I2C (</a:t>
+            </a:r>
+            <a:r>
+              <a:rPr b="1" lang="en-US" sz="2200" spc="-1" strike="noStrike">
+                <a:latin typeface="Arial"/>
+              </a:rPr>
+              <a:t>I</a:t>
+            </a:r>
+            <a:r>
+              <a:rPr b="0" lang="en-US" sz="2200" spc="-1" strike="noStrike">
+                <a:latin typeface="Arial"/>
+              </a:rPr>
+              <a:t>nter </a:t>
+            </a:r>
+            <a:r>
+              <a:rPr b="1" lang="en-US" sz="2200" spc="-1" strike="noStrike">
+                <a:latin typeface="Arial"/>
+              </a:rPr>
+              <a:t>I</a:t>
+            </a:r>
+            <a:r>
+              <a:rPr b="0" lang="en-US" sz="2200" spc="-1" strike="noStrike">
+                <a:latin typeface="Arial"/>
+              </a:rPr>
+              <a:t>ntegrated </a:t>
+            </a:r>
+            <a:r>
+              <a:rPr b="1" lang="en-US" sz="2200" spc="-1" strike="noStrike">
+                <a:latin typeface="Arial"/>
+              </a:rPr>
+              <a:t>C</a:t>
+            </a:r>
+            <a:r>
+              <a:rPr b="0" lang="en-US" sz="2200" spc="-1" strike="noStrike">
+                <a:latin typeface="Arial"/>
+              </a:rPr>
+              <a:t>ircuit) interface </a:t>
+            </a:r>
+            <a:endParaRPr b="0" lang="en-US" sz="2200" spc="-1" strike="noStrike">
+              <a:latin typeface="Arial"/>
+            </a:endParaRPr>
+          </a:p>
+          <a:p>
+            <a:pPr marL="432000" indent="-324000">
+              <a:lnSpc>
+                <a:spcPct val="100000"/>
+              </a:lnSpc>
+              <a:spcBef>
+                <a:spcPts val="1417"/>
+              </a:spcBef>
+              <a:buClr>
+                <a:srgbClr val="000000"/>
+              </a:buClr>
+              <a:buSzPct val="45000"/>
+              <a:buFont typeface="Wingdings" charset="2"/>
+              <a:buChar char=""/>
+            </a:pPr>
+            <a:r>
+              <a:rPr b="0" lang="en-US" sz="2200" spc="-1" strike="noStrike">
+                <a:latin typeface="Arial"/>
+              </a:rPr>
+              <a:t>SPI (</a:t>
+            </a:r>
+            <a:r>
+              <a:rPr b="1" lang="en-US" sz="2200" spc="-1" strike="noStrike">
+                <a:latin typeface="Arial"/>
+              </a:rPr>
+              <a:t>S</a:t>
+            </a:r>
+            <a:r>
+              <a:rPr b="0" lang="en-US" sz="2200" spc="-1" strike="noStrike">
+                <a:latin typeface="Arial"/>
+              </a:rPr>
+              <a:t>erial </a:t>
+            </a:r>
+            <a:r>
+              <a:rPr b="1" lang="en-US" sz="2200" spc="-1" strike="noStrike">
+                <a:latin typeface="Arial"/>
+              </a:rPr>
+              <a:t>P</a:t>
+            </a:r>
+            <a:r>
+              <a:rPr b="0" lang="en-US" sz="2200" spc="-1" strike="noStrike">
+                <a:latin typeface="Arial"/>
+              </a:rPr>
+              <a:t>eripheral </a:t>
+            </a:r>
+            <a:r>
+              <a:rPr b="1" lang="en-US" sz="2200" spc="-1" strike="noStrike">
+                <a:latin typeface="Arial"/>
+              </a:rPr>
+              <a:t>I</a:t>
+            </a:r>
+            <a:r>
+              <a:rPr b="0" lang="en-US" sz="2200" spc="-1" strike="noStrike">
+                <a:latin typeface="Arial"/>
+              </a:rPr>
+              <a:t>nterface) interface</a:t>
+            </a:r>
+            <a:endParaRPr b="0" lang="en-US" sz="2200" spc="-1" strike="noStrike">
+              <a:latin typeface="Arial"/>
+            </a:endParaRPr>
+          </a:p>
+          <a:p>
+            <a:pPr marL="432000" indent="-324000">
+              <a:lnSpc>
+                <a:spcPct val="100000"/>
+              </a:lnSpc>
+              <a:spcBef>
+                <a:spcPts val="1417"/>
+              </a:spcBef>
+              <a:buClr>
+                <a:srgbClr val="000000"/>
+              </a:buClr>
+              <a:buSzPct val="45000"/>
+              <a:buFont typeface="Wingdings" charset="2"/>
+              <a:buChar char=""/>
+            </a:pPr>
+            <a:r>
+              <a:rPr b="0" lang="en-US" sz="2200" spc="-1" strike="noStrike">
+                <a:latin typeface="Arial"/>
+              </a:rPr>
+              <a:t>Analogue to digital converter</a:t>
+            </a:r>
+            <a:endParaRPr b="0" lang="en-US" sz="2200" spc="-1" strike="noStrike">
+              <a:latin typeface="Arial"/>
+            </a:endParaRPr>
+          </a:p>
+          <a:p>
+            <a:pPr marL="432000" indent="-324000">
+              <a:lnSpc>
+                <a:spcPct val="100000"/>
+              </a:lnSpc>
+              <a:spcBef>
+                <a:spcPts val="1417"/>
+              </a:spcBef>
+              <a:buClr>
+                <a:srgbClr val="000000"/>
+              </a:buClr>
+              <a:buSzPct val="45000"/>
+              <a:buFont typeface="Wingdings" charset="2"/>
+              <a:buChar char=""/>
+            </a:pPr>
+            <a:r>
+              <a:rPr b="0" lang="en-US" sz="2200" spc="-1" strike="noStrike">
+                <a:latin typeface="Arial"/>
+              </a:rPr>
+              <a:t>Digital to analogue converter</a:t>
+            </a:r>
+            <a:endParaRPr b="0" lang="en-US" sz="2200" spc="-1" strike="noStrike">
+              <a:latin typeface="Arial"/>
+            </a:endParaRPr>
+          </a:p>
+          <a:p>
+            <a:pPr marL="432000" indent="-324000">
+              <a:lnSpc>
+                <a:spcPct val="100000"/>
+              </a:lnSpc>
+              <a:spcBef>
+                <a:spcPts val="1417"/>
+              </a:spcBef>
+              <a:buClr>
+                <a:srgbClr val="000000"/>
+              </a:buClr>
+              <a:buSzPct val="45000"/>
+              <a:buFont typeface="Wingdings" charset="2"/>
+              <a:buChar char=""/>
+            </a:pPr>
+            <a:r>
+              <a:rPr b="0" lang="en-US" sz="2200" spc="-1" strike="noStrike">
+                <a:latin typeface="Arial"/>
+              </a:rPr>
+              <a:t>Timer</a:t>
+            </a:r>
+            <a:endParaRPr b="0" lang="en-US" sz="2200" spc="-1" strike="noStrike">
+              <a:latin typeface="Arial"/>
+            </a:endParaRPr>
+          </a:p>
+          <a:p>
+            <a:pPr>
+              <a:lnSpc>
+                <a:spcPct val="100000"/>
+              </a:lnSpc>
+              <a:buNone/>
+            </a:pPr>
+            <a:endParaRPr b="0" lang="en-US" sz="2200" spc="-1" strike="noStrike">
+              <a:latin typeface="Arial"/>
+            </a:endParaRPr>
+          </a:p>
+        </p:txBody>
+      </p:sp>
+      <p:sp>
+        <p:nvSpPr>
+          <p:cNvPr id="4" name="PlaceHolder 3"/>
+          <p:cNvSpPr>
+            <a:spLocks noGrp="1"/>
+          </p:cNvSpPr>
+          <p:nvPr>
+            <p:ph type="ftr" idx="4"/>
+          </p:nvPr>
+        </p:nvSpPr>
+        <p:spPr/>
+        <p:txBody>
+          <a:bodyPr/>
+          <a:p>
+            <a:r>
+              <a:t>IoT4AQ workshop, Alioune Diop University Bambey, Sénégal</a:t>
+            </a:r>
+          </a:p>
+        </p:txBody>
+      </p:sp>
+      <p:sp>
+        <p:nvSpPr>
+          <p:cNvPr id="5" name="PlaceHolder 4"/>
+          <p:cNvSpPr>
+            <a:spLocks noGrp="1"/>
+          </p:cNvSpPr>
+          <p:nvPr>
+            <p:ph type="sldNum" idx="5"/>
+          </p:nvPr>
+        </p:nvSpPr>
+        <p:spPr/>
+        <p:txBody>
+          <a:bodyPr/>
+          <a:p>
+            <a:fld id="{84DF5C29-6C26-4928-90C8-C0DB24937BE9}" type="slidenum">
+              <a:t>15</a:t>
+            </a:fld>
+          </a:p>
+        </p:txBody>
+      </p:sp>
+      <p:sp>
+        <p:nvSpPr>
+          <p:cNvPr id="6" name="PlaceHolder 5"/>
+          <p:cNvSpPr>
+            <a:spLocks noGrp="1"/>
+          </p:cNvSpPr>
+          <p:nvPr>
+            <p:ph type="dt" idx="6"/>
+          </p:nvPr>
+        </p:nvSpPr>
+        <p:spPr/>
+        <p:txBody>
+          <a:bodyPr/>
+          <a:p>
+            <a:r>
+              <a:rPr lang="en-US"/>
+              <a:t>14.-15. Mar. 2024</a:t>
+            </a:r>
+          </a:p>
+        </p:txBody>
+      </p:sp>
+    </p:spTree>
+  </p:cSld>
+  <mc:AlternateContent>
+    <mc:Choice Requires="p14">
+      <p:transition spd="slow" p14:dur="2000"/>
+    </mc:Choice>
+    <mc:Fallback>
+      <p:transition spd="slow"/>
+    </mc:Fallback>
+  </mc:AlternateContent>
+</p:sld>
+</file>
+
+<file path=ppt/slides/slide16.xml><?xml version="1.0" encoding="utf-8"?>
+<p:sld xmlns:a="http://schemas.openxmlformats.org/drawingml/2006/main" xmlns:p="http://schemas.openxmlformats.org/presentationml/2006/main" xmlns:r="http://schemas.openxmlformats.org/officeDocument/2006/relationships" xmlns:p14="http://schemas.microsoft.com/office/powerpoint/2010/main" xmlns:p15="http://schemas.microsoft.com/office/powerpoint/2012/main" xmlns:mc="http://schemas.openxmlformats.org/markup-compatibility/2006">
+  <p:cSld>
+    <p:spTree>
+      <p:nvGrpSpPr>
+        <p:cNvPr id="1" name=""/>
+        <p:cNvGrpSpPr/>
+        <p:nvPr/>
+      </p:nvGrpSpPr>
+      <p:grpSpPr>
+        <a:xfrm>
+          <a:off x="0" y="0"/>
+          <a:ext cx="0" cy="0"/>
+          <a:chOff x="0" y="0"/>
+          <a:chExt cx="0" cy="0"/>
+        </a:xfrm>
+      </p:grpSpPr>
+      <p:sp>
+        <p:nvSpPr>
+          <p:cNvPr id="120" name="PlaceHolder 1"/>
+          <p:cNvSpPr>
+            <a:spLocks noGrp="1"/>
+          </p:cNvSpPr>
+          <p:nvPr>
+            <p:ph type="title"/>
+          </p:nvPr>
+        </p:nvSpPr>
+        <p:spPr>
+          <a:xfrm>
+            <a:off x="1801080" y="0"/>
+            <a:ext cx="7114320" cy="946080"/>
+          </a:xfrm>
+          <a:prstGeom prst="rect">
+            <a:avLst/>
+          </a:prstGeom>
+          <a:noFill/>
+          <a:ln w="0">
+            <a:noFill/>
+          </a:ln>
+        </p:spPr>
+        <p:txBody>
+          <a:bodyPr lIns="0" rIns="0" tIns="0" bIns="0" anchor="ctr">
+            <a:noAutofit/>
+          </a:bodyPr>
+          <a:p>
+            <a:pPr algn="ctr">
+              <a:lnSpc>
+                <a:spcPct val="100000"/>
+              </a:lnSpc>
+              <a:buNone/>
+            </a:pPr>
+            <a:r>
+              <a:rPr b="0" lang="en-US" sz="4400" spc="-1" strike="noStrike">
+                <a:latin typeface="Arial"/>
+              </a:rPr>
+              <a:t>ESP32 pinout</a:t>
+            </a:r>
+            <a:endParaRPr b="0" lang="en-US" sz="4400" spc="-1" strike="noStrike">
+              <a:latin typeface="Arial"/>
+            </a:endParaRPr>
+          </a:p>
+        </p:txBody>
+      </p:sp>
+      <p:pic>
+        <p:nvPicPr>
+          <p:cNvPr id="121" name="" descr=""/>
+          <p:cNvPicPr/>
+          <p:nvPr/>
+        </p:nvPicPr>
+        <p:blipFill>
+          <a:blip r:embed="rId1"/>
+          <a:stretch/>
+        </p:blipFill>
+        <p:spPr>
+          <a:xfrm>
+            <a:off x="2148120" y="1017720"/>
+            <a:ext cx="6041520" cy="4119480"/>
+          </a:xfrm>
+          <a:prstGeom prst="rect">
+            <a:avLst/>
+          </a:prstGeom>
+          <a:ln w="0">
+            <a:noFill/>
+          </a:ln>
+        </p:spPr>
+      </p:pic>
+      <p:sp>
+        <p:nvSpPr>
+          <p:cNvPr id="3" name="PlaceHolder 2"/>
+          <p:cNvSpPr>
+            <a:spLocks noGrp="1"/>
+          </p:cNvSpPr>
+          <p:nvPr>
+            <p:ph type="ftr" idx="4"/>
+          </p:nvPr>
+        </p:nvSpPr>
+        <p:spPr/>
+        <p:txBody>
+          <a:bodyPr/>
+          <a:p>
+            <a:r>
+              <a:t>IoT4AQ workshop, Alioune Diop University Bambey, Sénégal</a:t>
+            </a:r>
+          </a:p>
+        </p:txBody>
+      </p:sp>
+      <p:sp>
+        <p:nvSpPr>
+          <p:cNvPr id="4" name="PlaceHolder 3"/>
+          <p:cNvSpPr>
+            <a:spLocks noGrp="1"/>
+          </p:cNvSpPr>
+          <p:nvPr>
+            <p:ph type="sldNum" idx="5"/>
+          </p:nvPr>
+        </p:nvSpPr>
+        <p:spPr/>
+        <p:txBody>
+          <a:bodyPr/>
+          <a:p>
+            <a:fld id="{F8DD64BF-9A8A-431E-972D-2880E3280E3C}" type="slidenum">
+              <a:t>16</a:t>
+            </a:fld>
+          </a:p>
+        </p:txBody>
+      </p:sp>
+      <p:sp>
+        <p:nvSpPr>
+          <p:cNvPr id="5" name="PlaceHolder 4"/>
+          <p:cNvSpPr>
+            <a:spLocks noGrp="1"/>
+          </p:cNvSpPr>
+          <p:nvPr>
+            <p:ph type="dt" idx="6"/>
+          </p:nvPr>
+        </p:nvSpPr>
+        <p:spPr/>
+        <p:txBody>
+          <a:bodyPr/>
+          <a:p>
+            <a:r>
+              <a:rPr lang="en-US"/>
+              <a:t>14.-15. Mar. 2024</a:t>
+            </a:r>
+          </a:p>
+        </p:txBody>
+      </p:sp>
+    </p:spTree>
+  </p:cSld>
+  <mc:AlternateContent>
+    <mc:Choice Requires="p14">
+      <p:transition spd="slow" p14:dur="2000"/>
+    </mc:Choice>
+    <mc:Fallback>
+      <p:transition spd="slow"/>
+    </mc:Fallback>
+  </mc:AlternateContent>
+</p:sld>
+</file>
+
+<file path=ppt/slides/slide17.xml><?xml version="1.0" encoding="utf-8"?>
+<p:sld xmlns:a="http://schemas.openxmlformats.org/drawingml/2006/main" xmlns:p="http://schemas.openxmlformats.org/presentationml/2006/main" xmlns:r="http://schemas.openxmlformats.org/officeDocument/2006/relationships" xmlns:p14="http://schemas.microsoft.com/office/powerpoint/2010/main" xmlns:p15="http://schemas.microsoft.com/office/powerpoint/2012/main" xmlns:mc="http://schemas.openxmlformats.org/markup-compatibility/2006">
+  <p:cSld>
+    <p:spTree>
+      <p:nvGrpSpPr>
+        <p:cNvPr id="1" name=""/>
+        <p:cNvGrpSpPr/>
+        <p:nvPr/>
+      </p:nvGrpSpPr>
+      <p:grpSpPr>
+        <a:xfrm>
+          <a:off x="0" y="0"/>
+          <a:ext cx="0" cy="0"/>
+          <a:chOff x="0" y="0"/>
+          <a:chExt cx="0" cy="0"/>
+        </a:xfrm>
+      </p:grpSpPr>
+      <p:sp>
+        <p:nvSpPr>
+          <p:cNvPr id="122" name="PlaceHolder 1"/>
+          <p:cNvSpPr>
+            <a:spLocks noGrp="1"/>
+          </p:cNvSpPr>
+          <p:nvPr>
+            <p:ph type="title"/>
+          </p:nvPr>
+        </p:nvSpPr>
+        <p:spPr>
+          <a:xfrm>
+            <a:off x="1572480" y="228600"/>
+            <a:ext cx="7114320" cy="946080"/>
+          </a:xfrm>
+          <a:prstGeom prst="rect">
+            <a:avLst/>
+          </a:prstGeom>
+          <a:noFill/>
+          <a:ln w="0">
+            <a:noFill/>
+          </a:ln>
+        </p:spPr>
+        <p:txBody>
+          <a:bodyPr lIns="0" rIns="0" tIns="0" bIns="0" anchor="ctr">
+            <a:noAutofit/>
+          </a:bodyPr>
+          <a:p>
+            <a:pPr algn="ctr">
+              <a:buNone/>
+            </a:pPr>
+            <a:r>
+              <a:rPr b="0" lang="en-US" sz="4400" spc="-1" strike="noStrike">
+                <a:latin typeface="Arial"/>
+              </a:rPr>
+              <a:t>Checking the system</a:t>
+            </a:r>
+            <a:endParaRPr b="0" lang="en-US" sz="4400" spc="-1" strike="noStrike">
+              <a:latin typeface="Arial"/>
+            </a:endParaRPr>
+          </a:p>
+        </p:txBody>
+      </p:sp>
+      <p:sp>
+        <p:nvSpPr>
+          <p:cNvPr id="123" name="PlaceHolder 2"/>
+          <p:cNvSpPr>
+            <a:spLocks noGrp="1"/>
+          </p:cNvSpPr>
+          <p:nvPr>
+            <p:ph/>
+          </p:nvPr>
+        </p:nvSpPr>
+        <p:spPr>
+          <a:xfrm>
+            <a:off x="504000" y="1326600"/>
+            <a:ext cx="9071280" cy="3287880"/>
+          </a:xfrm>
+          <a:prstGeom prst="rect">
+            <a:avLst/>
+          </a:prstGeom>
+          <a:noFill/>
+          <a:ln w="0">
+            <a:noFill/>
+          </a:ln>
+        </p:spPr>
+        <p:txBody>
+          <a:bodyPr lIns="0" rIns="0" tIns="0" bIns="0" anchor="t">
+            <a:normAutofit/>
+          </a:bodyPr>
+          <a:p>
+            <a:r>
               <a:rPr b="0" lang="en-US" sz="2400" spc="-1" strike="noStrike">
                 <a:latin typeface="Arial"/>
               </a:rPr>
+              <a:t>In C the ubiquitous “hello world” program checks if</a:t>
+            </a:r>
+            <a:endParaRPr b="0" lang="en-US" sz="2400" spc="-1" strike="noStrike">
+              <a:latin typeface="Arial"/>
+            </a:endParaRPr>
+          </a:p>
+          <a:p>
+            <a:pPr marL="432000" indent="-324000">
+              <a:spcBef>
+                <a:spcPts val="1417"/>
+              </a:spcBef>
+              <a:buClr>
+                <a:srgbClr val="000000"/>
+              </a:buClr>
+              <a:buSzPct val="45000"/>
+              <a:buFont typeface="Wingdings" charset="2"/>
+              <a:buChar char=""/>
+            </a:pPr>
+            <a:r>
+              <a:rPr b="0" lang="en-US" sz="2400" spc="-1" strike="noStrike">
+                <a:latin typeface="Arial"/>
+              </a:rPr>
+              <a:t>You can edit a program </a:t>
+            </a:r>
+            <a:endParaRPr b="0" lang="en-US" sz="2400" spc="-1" strike="noStrike">
+              <a:latin typeface="Arial"/>
+            </a:endParaRPr>
+          </a:p>
+          <a:p>
+            <a:pPr marL="432000" indent="-324000">
+              <a:spcBef>
+                <a:spcPts val="1417"/>
+              </a:spcBef>
+              <a:buClr>
+                <a:srgbClr val="000000"/>
+              </a:buClr>
+              <a:buSzPct val="45000"/>
+              <a:buFont typeface="Wingdings" charset="2"/>
+              <a:buChar char=""/>
+            </a:pPr>
+            <a:r>
+              <a:rPr b="0" lang="en-US" sz="2400" spc="-1" strike="noStrike">
+                <a:latin typeface="Arial"/>
+              </a:rPr>
+              <a:t>You can compile and link it</a:t>
+            </a:r>
+            <a:endParaRPr b="0" lang="en-US" sz="2400" spc="-1" strike="noStrike">
+              <a:latin typeface="Arial"/>
+            </a:endParaRPr>
+          </a:p>
+          <a:p>
+            <a:pPr marL="432000" indent="-324000">
+              <a:spcBef>
+                <a:spcPts val="1417"/>
+              </a:spcBef>
+              <a:buClr>
+                <a:srgbClr val="000000"/>
+              </a:buClr>
+              <a:buSzPct val="45000"/>
+              <a:buFont typeface="Wingdings" charset="2"/>
+              <a:buChar char=""/>
+            </a:pPr>
+            <a:r>
+              <a:rPr b="0" lang="en-US" sz="2400" spc="-1" strike="noStrike">
+                <a:latin typeface="Arial"/>
+              </a:rPr>
               <a:t>You can run it</a:t>
             </a:r>
             <a:endParaRPr b="0" lang="en-US" sz="2400" spc="-1" strike="noStrike">
@@ -6826,8 +7817,8 @@
         <p:txBody>
           <a:bodyPr/>
           <a:p>
-            <a:fld id="{6C6B3FFC-5A50-4FB0-95CE-374731755955}" type="slidenum">
-              <a:t>13</a:t>
+            <a:fld id="{47159B78-8BCB-4030-9E39-5F88BB96CE4F}" type="slidenum">
+              <a:t>17</a:t>
             </a:fld>
           </a:p>
         </p:txBody>
@@ -7041,7 +8032,7 @@
         <p:txBody>
           <a:bodyPr/>
           <a:p>
-            <a:fld id="{5CDB90E1-1617-49AB-84A6-BCD6BF7E6A76}" type="slidenum">
+            <a:fld id="{3654F591-9C47-4B45-BCB5-F2F886CF08CD}" type="slidenum">
               <a:t>2</a:t>
             </a:fld>
           </a:p>
@@ -7297,7 +8288,7 @@
         <p:txBody>
           <a:bodyPr/>
           <a:p>
-            <a:fld id="{410A81A9-6B62-4691-8260-D65594DEF858}" type="slidenum">
+            <a:fld id="{5381AE9C-D15F-4B61-AA79-806226EEB08B}" type="slidenum">
               <a:t>3</a:t>
             </a:fld>
           </a:p>
@@ -7515,7 +8506,7 @@
         <p:txBody>
           <a:bodyPr/>
           <a:p>
-            <a:fld id="{343CD0E8-0DD3-472A-8262-3AC5E5102790}" type="slidenum">
+            <a:fld id="{B25D7364-D327-4B9A-A4AD-498ADF408F3C}" type="slidenum">
               <a:t>4</a:t>
             </a:fld>
           </a:p>
@@ -7672,7 +8663,7 @@
         <p:txBody>
           <a:bodyPr/>
           <a:p>
-            <a:fld id="{296B97CE-62D6-4AFC-9F5D-6702C5064EAE}" type="slidenum">
+            <a:fld id="{D449209E-BD79-4999-8BF2-60B8CF7DC891}" type="slidenum">
               <a:t>5</a:t>
             </a:fld>
           </a:p>
@@ -8083,7 +9074,7 @@
         <p:txBody>
           <a:bodyPr/>
           <a:p>
-            <a:fld id="{A8C5FB3D-0339-4E72-8E09-7443F99CA854}" type="slidenum">
+            <a:fld id="{4FD2BB94-DE96-4820-B70B-51865306DA35}" type="slidenum">
               <a:t>6</a:t>
             </a:fld>
           </a:p>
@@ -8152,7 +9143,7 @@
         </p:nvSpPr>
         <p:spPr>
           <a:xfrm>
-            <a:off x="1801080" y="228600"/>
+            <a:off x="1839240" y="196920"/>
             <a:ext cx="7114320" cy="946080"/>
           </a:xfrm>
           <a:prstGeom prst="rect">
@@ -8175,7 +9166,7 @@
               <a:rPr b="0" lang="en-US" sz="4400" spc="-1" strike="noStrike">
                 <a:latin typeface="Arial"/>
               </a:rPr>
-              <a:t>which micro-controller?</a:t>
+              <a:t>Micro-processors</a:t>
             </a:r>
             <a:endParaRPr b="0" lang="en-US" sz="4400" spc="-1" strike="noStrike">
               <a:latin typeface="Arial"/>
@@ -8195,8 +9186,8 @@
         </p:nvSpPr>
         <p:spPr>
           <a:xfrm>
-            <a:off x="457200" y="1326600"/>
-            <a:ext cx="9071280" cy="3287880"/>
+            <a:off x="504000" y="1326600"/>
+            <a:ext cx="6125400" cy="3287880"/>
           </a:xfrm>
           <a:prstGeom prst="rect">
             <a:avLst/>
@@ -8212,156 +9203,120 @@
           </a:bodyPr>
           <a:p>
             <a:r>
-              <a:rPr b="0" lang="en-US" sz="2200" spc="-1" strike="noStrike">
-                <a:latin typeface="Arial"/>
-              </a:rPr>
-              <a:t>Question of </a:t>
-            </a:r>
-            <a:endParaRPr b="0" lang="en-US" sz="2200" spc="-1" strike="noStrike">
-              <a:latin typeface="Arial"/>
-            </a:endParaRPr>
-          </a:p>
-          <a:p>
-            <a:pPr marL="432000" indent="-324000">
-              <a:spcBef>
-                <a:spcPts val="1417"/>
-              </a:spcBef>
-              <a:buClr>
-                <a:srgbClr val="000000"/>
-              </a:buClr>
-              <a:buSzPct val="45000"/>
-              <a:buFont typeface="Wingdings" charset="2"/>
-              <a:buChar char=""/>
-            </a:pPr>
-            <a:r>
-              <a:rPr b="0" lang="en-US" sz="2200" spc="-1" strike="noStrike">
-                <a:latin typeface="Arial"/>
-              </a:rPr>
-              <a:t>Needs (how much memory, which speed, which interfaces …)</a:t>
-            </a:r>
-            <a:endParaRPr b="0" lang="en-US" sz="2200" spc="-1" strike="noStrike">
-              <a:latin typeface="Arial"/>
-            </a:endParaRPr>
-          </a:p>
-          <a:p>
-            <a:pPr marL="432000" indent="-324000">
-              <a:spcBef>
-                <a:spcPts val="1417"/>
-              </a:spcBef>
-              <a:buClr>
-                <a:srgbClr val="000000"/>
-              </a:buClr>
-              <a:buSzPct val="45000"/>
-              <a:buFont typeface="Wingdings" charset="2"/>
-              <a:buChar char=""/>
-            </a:pPr>
-            <a:r>
-              <a:rPr b="0" lang="en-US" sz="2200" spc="-1" strike="noStrike">
-                <a:latin typeface="Arial"/>
-              </a:rPr>
-              <a:t>Budget</a:t>
-            </a:r>
-            <a:endParaRPr b="0" lang="en-US" sz="2200" spc="-1" strike="noStrike">
-              <a:latin typeface="Arial"/>
-            </a:endParaRPr>
-          </a:p>
-          <a:p>
-            <a:pPr marL="432000" indent="-324000">
-              <a:spcBef>
-                <a:spcPts val="1417"/>
-              </a:spcBef>
-              <a:buClr>
-                <a:srgbClr val="000000"/>
-              </a:buClr>
-              <a:buSzPct val="45000"/>
-              <a:buFont typeface="Wingdings" charset="2"/>
-              <a:buChar char=""/>
-            </a:pPr>
-            <a:r>
-              <a:rPr b="0" lang="en-US" sz="2200" spc="-1" strike="noStrike">
-                <a:latin typeface="Arial"/>
-              </a:rPr>
-              <a:t>Software environment and programming language</a:t>
-            </a:r>
-            <a:endParaRPr b="0" lang="en-US" sz="2200" spc="-1" strike="noStrike">
-              <a:latin typeface="Arial"/>
-            </a:endParaRPr>
-          </a:p>
-          <a:p>
-            <a:pPr lvl="1" marL="864000" indent="-324000">
-              <a:spcBef>
-                <a:spcPts val="1134"/>
-              </a:spcBef>
-              <a:buClr>
-                <a:srgbClr val="000000"/>
-              </a:buClr>
-              <a:buSzPct val="75000"/>
-              <a:buFont typeface="Symbol" charset="2"/>
-              <a:buChar char=""/>
-            </a:pPr>
-            <a:r>
-              <a:rPr b="0" lang="en-US" sz="2200" spc="-1" strike="noStrike">
-                <a:latin typeface="Arial"/>
-              </a:rPr>
-              <a:t>Most common:</a:t>
-            </a:r>
-            <a:r>
-              <a:rPr b="0" lang="en-US" sz="2200" spc="-1" strike="noStrike">
-                <a:latin typeface="Arial"/>
-                <a:hlinkClick r:id="rId1"/>
-              </a:rPr>
-              <a:t> Arduino SDK</a:t>
-            </a:r>
-            <a:endParaRPr b="0" lang="en-US" sz="2200" spc="-1" strike="noStrike">
-              <a:latin typeface="Arial"/>
-            </a:endParaRPr>
-          </a:p>
-          <a:p>
-            <a:pPr lvl="1" marL="864000" indent="-324000">
-              <a:spcBef>
-                <a:spcPts val="1134"/>
-              </a:spcBef>
-              <a:buClr>
-                <a:srgbClr val="000000"/>
-              </a:buClr>
-              <a:buSzPct val="75000"/>
-              <a:buFont typeface="Symbol" charset="2"/>
-              <a:buChar char=""/>
-            </a:pPr>
-            <a:r>
-              <a:rPr b="0" lang="en-US" sz="2200" spc="-1" strike="noStrike">
-                <a:latin typeface="Arial"/>
-              </a:rPr>
-              <a:t>MicroPython</a:t>
-            </a:r>
-            <a:endParaRPr b="0" lang="en-US" sz="2200" spc="-1" strike="noStrike">
-              <a:latin typeface="Arial"/>
-            </a:endParaRPr>
-          </a:p>
-          <a:p>
-            <a:pPr marL="432000" indent="-324000">
-              <a:spcBef>
-                <a:spcPts val="1417"/>
-              </a:spcBef>
-              <a:buClr>
-                <a:srgbClr val="000000"/>
-              </a:buClr>
-              <a:buSzPct val="45000"/>
-              <a:buFont typeface="Wingdings" charset="2"/>
-              <a:buChar char=""/>
-            </a:pPr>
-            <a:r>
-              <a:rPr b="0" lang="en-US" sz="2200" spc="-1" strike="noStrike">
-                <a:latin typeface="Arial"/>
-              </a:rPr>
-              <a:t>Taste</a:t>
-            </a:r>
-            <a:endParaRPr b="0" lang="en-US" sz="2200" spc="-1" strike="noStrike">
-              <a:latin typeface="Arial"/>
-            </a:endParaRPr>
-          </a:p>
-        </p:txBody>
-      </p:sp>
+              <a:rPr b="0" lang="en-US" sz="2000" spc="-1" strike="noStrike">
+                <a:latin typeface="Arial"/>
+              </a:rPr>
+              <a:t>Up to the 1970’s computers filled cupboards or even rooms.</a:t>
+            </a:r>
+            <a:endParaRPr b="0" lang="en-US" sz="2000" spc="-1" strike="noStrike">
+              <a:latin typeface="Arial"/>
+            </a:endParaRPr>
+          </a:p>
+          <a:p>
+            <a:r>
+              <a:rPr b="0" lang="en-US" sz="2000" spc="-1" strike="noStrike">
+                <a:latin typeface="Arial"/>
+              </a:rPr>
+              <a:t>Then the micro-processor came onto the market integrating a CPU (</a:t>
+            </a:r>
+            <a:r>
+              <a:rPr b="1" lang="en-US" sz="2000" spc="-1" strike="noStrike">
+                <a:latin typeface="Arial"/>
+              </a:rPr>
+              <a:t>C</a:t>
+            </a:r>
+            <a:r>
+              <a:rPr b="0" lang="en-US" sz="2000" spc="-1" strike="noStrike">
+                <a:latin typeface="Arial"/>
+              </a:rPr>
+              <a:t>entral</a:t>
+            </a:r>
+            <a:r>
+              <a:rPr b="1" lang="en-US" sz="2000" spc="-1" strike="noStrike">
+                <a:latin typeface="Arial"/>
+              </a:rPr>
+              <a:t> P</a:t>
+            </a:r>
+            <a:r>
+              <a:rPr b="0" lang="en-US" sz="2000" spc="-1" strike="noStrike">
+                <a:latin typeface="Arial"/>
+              </a:rPr>
+              <a:t>rocessing </a:t>
+            </a:r>
+            <a:r>
+              <a:rPr b="1" lang="en-US" sz="2000" spc="-1" strike="noStrike">
+                <a:latin typeface="Arial"/>
+              </a:rPr>
+              <a:t>U</a:t>
+            </a:r>
+            <a:r>
+              <a:rPr b="0" lang="en-US" sz="2000" spc="-1" strike="noStrike">
+                <a:latin typeface="Arial"/>
+              </a:rPr>
+              <a:t>nit) onto a single silicon chip.</a:t>
+            </a:r>
+            <a:endParaRPr b="0" lang="en-US" sz="2000" spc="-1" strike="noStrike">
+              <a:latin typeface="Arial"/>
+            </a:endParaRPr>
+          </a:p>
+          <a:p>
+            <a:r>
+              <a:rPr b="0" lang="en-US" sz="2000" spc="-1" strike="noStrike">
+                <a:latin typeface="Arial"/>
+              </a:rPr>
+              <a:t>These devices had no on-chip memory nor on-chip interfaces.</a:t>
+            </a:r>
+            <a:endParaRPr b="0" lang="en-US" sz="2000" spc="-1" strike="noStrike">
+              <a:latin typeface="Arial"/>
+            </a:endParaRPr>
+          </a:p>
+          <a:p>
+            <a:r>
+              <a:rPr b="0" lang="en-US" sz="2000" spc="-1" strike="noStrike">
+                <a:latin typeface="Arial"/>
+              </a:rPr>
+              <a:t>A bus system allowed to connect peripherals.</a:t>
+            </a:r>
+            <a:endParaRPr b="0" lang="en-US" sz="2000" spc="-1" strike="noStrike">
+              <a:latin typeface="Arial"/>
+            </a:endParaRPr>
+          </a:p>
+          <a:p>
+            <a:r>
+              <a:rPr b="0" lang="en-US" sz="2000" spc="-1" strike="noStrike">
+                <a:latin typeface="Arial"/>
+              </a:rPr>
+              <a:t> </a:t>
+            </a:r>
+            <a:endParaRPr b="0" lang="en-US" sz="2000" spc="-1" strike="noStrike">
+              <a:latin typeface="Arial"/>
+            </a:endParaRPr>
+          </a:p>
+        </p:txBody>
+      </p:sp>
+      <p:pic>
+        <p:nvPicPr>
+          <p:cNvPr id="100" name="" descr=""/>
+          <p:cNvPicPr/>
+          <p:nvPr/>
+        </p:nvPicPr>
+        <p:blipFill>
+          <a:blip r:embed="rId1"/>
+          <a:stretch/>
+        </p:blipFill>
+        <p:spPr>
+          <a:xfrm>
+            <a:off x="6720840" y="1371600"/>
+            <a:ext cx="3324960" cy="2057400"/>
+          </a:xfrm>
+          <a:prstGeom prst="rect">
+            <a:avLst/>
+          </a:prstGeom>
+          <a:ln w="0">
+            <a:noFill/>
+          </a:ln>
+        </p:spPr>
+      </p:pic>
       <p:sp>
         <p:nvSpPr>
           <p:cNvPr id="4" name="PlaceHolder 3"/>
@@ -8396,7 +9351,7 @@
         <p:txBody>
           <a:bodyPr/>
           <a:p>
-            <a:fld id="{A29E8677-FF71-4FCF-B96E-8A7B8D9FF912}" type="slidenum">
+            <a:fld id="{A2E28635-FCFF-4DE0-9416-7A8E6611CABF}" type="slidenum">
               <a:t>7</a:t>
             </a:fld>
           </a:p>
@@ -8455,7 +9410,7 @@
       </p:grpSpPr>
       <p:sp>
         <p:nvSpPr>
-          <p:cNvPr id="100" name="PlaceHolder 1"/>
+          <p:cNvPr id="101" name="PlaceHolder 1"/>
           <p:cNvSpPr>
             <a:spLocks noGrp="1"/>
           </p:cNvSpPr>
@@ -8465,7 +9420,7 @@
         </p:nvSpPr>
         <p:spPr>
           <a:xfrm>
-            <a:off x="1600200" y="228600"/>
+            <a:off x="1839240" y="196920"/>
             <a:ext cx="7114320" cy="946080"/>
           </a:xfrm>
           <a:prstGeom prst="rect">
@@ -8482,18 +9437,165 @@
           </a:bodyPr>
           <a:p>
             <a:pPr algn="ctr">
-              <a:lnSpc>
-                <a:spcPct val="100000"/>
-              </a:lnSpc>
               <a:buNone/>
             </a:pPr>
             <a:r>
               <a:rPr b="0" lang="en-US" sz="4400" spc="-1" strike="noStrike">
                 <a:latin typeface="Arial"/>
               </a:rPr>
-              <a:t>The micro-controller</a:t>
+              <a:t>A Micro-processor system</a:t>
             </a:r>
             <a:endParaRPr b="0" lang="en-US" sz="4400" spc="-1" strike="noStrike">
+              <a:latin typeface="Arial"/>
+            </a:endParaRPr>
+          </a:p>
+        </p:txBody>
+      </p:sp>
+      <p:sp>
+        <p:nvSpPr>
+          <p:cNvPr id="102" name="PlaceHolder 2"/>
+          <p:cNvSpPr>
+            <a:spLocks noGrp="1"/>
+          </p:cNvSpPr>
+          <p:nvPr>
+            <p:ph/>
+          </p:nvPr>
+        </p:nvSpPr>
+        <p:spPr>
+          <a:xfrm>
+            <a:off x="275400" y="1371600"/>
+            <a:ext cx="4753800" cy="3287880"/>
+          </a:xfrm>
+          <a:prstGeom prst="rect">
+            <a:avLst/>
+          </a:prstGeom>
+          <a:noFill/>
+          <a:ln w="0">
+            <a:noFill/>
+          </a:ln>
+        </p:spPr>
+        <p:txBody>
+          <a:bodyPr lIns="0" rIns="0" tIns="0" bIns="0" anchor="t">
+            <a:normAutofit/>
+          </a:bodyPr>
+          <a:p>
+            <a:r>
+              <a:rPr b="0" lang="en-US" sz="2000" spc="-1" strike="noStrike">
+                <a:latin typeface="Arial"/>
+              </a:rPr>
+              <a:t>This is how a micro-processor system looked like in the end 1970’s:</a:t>
+            </a:r>
+            <a:endParaRPr b="0" lang="en-US" sz="2000" spc="-1" strike="noStrike">
+              <a:latin typeface="Arial"/>
+            </a:endParaRPr>
+          </a:p>
+          <a:p>
+            <a:pPr marL="432000" indent="-324000">
+              <a:spcBef>
+                <a:spcPts val="1417"/>
+              </a:spcBef>
+              <a:buClr>
+                <a:srgbClr val="000000"/>
+              </a:buClr>
+              <a:buSzPct val="45000"/>
+              <a:buFont typeface="Wingdings" charset="2"/>
+              <a:buChar char=""/>
+            </a:pPr>
+            <a:r>
+              <a:rPr b="0" lang="en-US" sz="2000" spc="-1" strike="noStrike">
+                <a:latin typeface="Arial"/>
+              </a:rPr>
+              <a:t>1 MHz clock </a:t>
+            </a:r>
+            <a:endParaRPr b="0" lang="en-US" sz="2000" spc="-1" strike="noStrike">
+              <a:latin typeface="Arial"/>
+            </a:endParaRPr>
+          </a:p>
+          <a:p>
+            <a:pPr marL="432000" indent="-324000">
+              <a:spcBef>
+                <a:spcPts val="1417"/>
+              </a:spcBef>
+              <a:buClr>
+                <a:srgbClr val="000000"/>
+              </a:buClr>
+              <a:buSzPct val="45000"/>
+              <a:buFont typeface="Wingdings" charset="2"/>
+              <a:buChar char=""/>
+            </a:pPr>
+            <a:r>
+              <a:rPr b="0" lang="en-US" sz="2000" spc="-1" strike="noStrike">
+                <a:latin typeface="Arial"/>
+              </a:rPr>
+              <a:t>~ 2 kB of ROM (EPROM) memory</a:t>
+            </a:r>
+            <a:endParaRPr b="0" lang="en-US" sz="2000" spc="-1" strike="noStrike">
+              <a:latin typeface="Arial"/>
+            </a:endParaRPr>
+          </a:p>
+          <a:p>
+            <a:pPr marL="432000" indent="-324000">
+              <a:spcBef>
+                <a:spcPts val="1417"/>
+              </a:spcBef>
+              <a:buClr>
+                <a:srgbClr val="000000"/>
+              </a:buClr>
+              <a:buSzPct val="45000"/>
+              <a:buFont typeface="Wingdings" charset="2"/>
+              <a:buChar char=""/>
+            </a:pPr>
+            <a:r>
+              <a:rPr b="0" lang="en-US" sz="2000" spc="-1" strike="noStrike">
+                <a:latin typeface="Arial"/>
+              </a:rPr>
+              <a:t>128 bytes of RAM</a:t>
+            </a:r>
+            <a:endParaRPr b="0" lang="en-US" sz="2000" spc="-1" strike="noStrike">
+              <a:latin typeface="Arial"/>
+            </a:endParaRPr>
+          </a:p>
+          <a:p>
+            <a:pPr marL="432000" indent="-324000">
+              <a:spcBef>
+                <a:spcPts val="1417"/>
+              </a:spcBef>
+              <a:buClr>
+                <a:srgbClr val="000000"/>
+              </a:buClr>
+              <a:buSzPct val="45000"/>
+              <a:buFont typeface="Wingdings" charset="2"/>
+              <a:buChar char=""/>
+            </a:pPr>
+            <a:r>
+              <a:rPr b="0" lang="en-US" sz="2000" spc="-1" strike="noStrike">
+                <a:latin typeface="Arial"/>
+              </a:rPr>
+              <a:t>Keyboard to enter hex instruction code</a:t>
+            </a:r>
+            <a:endParaRPr b="0" lang="en-US" sz="2000" spc="-1" strike="noStrike">
+              <a:latin typeface="Arial"/>
+            </a:endParaRPr>
+          </a:p>
+          <a:p>
+            <a:pPr marL="432000" indent="-324000">
+              <a:spcBef>
+                <a:spcPts val="1417"/>
+              </a:spcBef>
+              <a:buClr>
+                <a:srgbClr val="000000"/>
+              </a:buClr>
+              <a:buSzPct val="45000"/>
+              <a:buFont typeface="Wingdings" charset="2"/>
+              <a:buChar char=""/>
+            </a:pPr>
+            <a:r>
+              <a:rPr b="0" lang="en-US" sz="2000" spc="-1" strike="noStrike">
+                <a:latin typeface="Arial"/>
+              </a:rPr>
+              <a:t>Audio tape to save programs </a:t>
+            </a:r>
+            <a:endParaRPr b="0" lang="en-US" sz="2000" spc="-1" strike="noStrike">
               <a:latin typeface="Arial"/>
             </a:endParaRPr>
           </a:p>
@@ -8501,7 +9603,7 @@
       </p:sp>
       <p:pic>
         <p:nvPicPr>
-          <p:cNvPr id="101" name="" descr=""/>
+          <p:cNvPr id="103" name="" descr=""/>
           <p:cNvPicPr/>
           <p:nvPr/>
         </p:nvPicPr>
@@ -8511,8 +9613,8 @@
         </p:blipFill>
         <p:spPr>
           <a:xfrm>
-            <a:off x="241560" y="1449720"/>
-            <a:ext cx="7001640" cy="3298680"/>
+            <a:off x="5029200" y="1444320"/>
+            <a:ext cx="4975200" cy="3170160"/>
           </a:xfrm>
           <a:prstGeom prst="rect">
             <a:avLst/>
@@ -8522,32 +9624,9 @@
           </a:ln>
         </p:spPr>
       </p:pic>
-      <p:pic>
-        <p:nvPicPr>
-          <p:cNvPr id="102" name="" descr=""/>
-          <p:cNvPicPr/>
-          <p:nvPr/>
-        </p:nvPicPr>
-        <p:blipFill>
-          <a:blip r:embed="rId2"/>
-          <a:stretch/>
-        </p:blipFill>
-        <p:spPr>
-          <a:xfrm>
-            <a:off x="7611480" y="1078200"/>
-            <a:ext cx="2375640" cy="4085640"/>
-          </a:xfrm>
-          <a:prstGeom prst="rect">
-            <a:avLst/>
-          </a:prstGeom>
-          <a:ln w="0">
-            <a:noFill/>
-          </a:ln>
-        </p:spPr>
-      </p:pic>
-      <p:sp>
-        <p:nvSpPr>
-          <p:cNvPr id="3" name="PlaceHolder 2"/>
+      <p:sp>
+        <p:nvSpPr>
+          <p:cNvPr id="4" name="PlaceHolder 3"/>
           <p:cNvSpPr>
             <a:spLocks noGrp="1"/>
           </p:cNvSpPr>
@@ -8567,7 +9646,7 @@
       </p:sp>
       <p:sp>
         <p:nvSpPr>
-          <p:cNvPr id="4" name="PlaceHolder 3"/>
+          <p:cNvPr id="5" name="PlaceHolder 4"/>
           <p:cNvSpPr>
             <a:spLocks noGrp="1"/>
           </p:cNvSpPr>
@@ -8579,7 +9658,7 @@
         <p:txBody>
           <a:bodyPr/>
           <a:p>
-            <a:fld id="{555F0750-4D37-4957-B8BC-2DB913D62721}" type="slidenum">
+            <a:fld id="{3EFE653F-76D5-4286-8942-53B7F71FA05E}" type="slidenum">
               <a:t>8</a:t>
             </a:fld>
           </a:p>
@@ -8587,7 +9666,7 @@
       </p:sp>
       <p:sp>
         <p:nvSpPr>
-          <p:cNvPr id="5" name="PlaceHolder 4"/>
+          <p:cNvPr id="6" name="PlaceHolder 5"/>
           <p:cNvSpPr>
             <a:spLocks noGrp="1"/>
           </p:cNvSpPr>
@@ -8638,7 +9717,7 @@
       </p:grpSpPr>
       <p:sp>
         <p:nvSpPr>
-          <p:cNvPr id="103" name="PlaceHolder 1"/>
+          <p:cNvPr id="104" name="PlaceHolder 1"/>
           <p:cNvSpPr>
             <a:spLocks noGrp="1"/>
           </p:cNvSpPr>
@@ -8648,7 +9727,7 @@
         </p:nvSpPr>
         <p:spPr>
           <a:xfrm>
-            <a:off x="1600200" y="228600"/>
+            <a:off x="1839240" y="196920"/>
             <a:ext cx="7114320" cy="946080"/>
           </a:xfrm>
           <a:prstGeom prst="rect">
@@ -8665,16 +9744,13 @@
           </a:bodyPr>
           <a:p>
             <a:pPr algn="ctr">
-              <a:lnSpc>
-                <a:spcPct val="100000"/>
-              </a:lnSpc>
               <a:buNone/>
             </a:pPr>
             <a:r>
               <a:rPr b="0" lang="en-US" sz="4400" spc="-1" strike="noStrike">
                 <a:latin typeface="Arial"/>
               </a:rPr>
-              <a:t>ESP32 network connection</a:t>
+              <a:t>Arduino</a:t>
             </a:r>
             <a:endParaRPr b="0" lang="en-US" sz="4400" spc="-1" strike="noStrike">
               <a:latin typeface="Arial"/>
@@ -8682,32 +9758,258 @@
           </a:p>
         </p:txBody>
       </p:sp>
-      <p:pic>
-        <p:nvPicPr>
-          <p:cNvPr id="104" name="" descr=""/>
-          <p:cNvPicPr/>
-          <p:nvPr/>
-        </p:nvPicPr>
-        <p:blipFill>
-          <a:blip r:embed="rId1"/>
-          <a:stretch/>
-        </p:blipFill>
-        <p:spPr>
-          <a:xfrm>
-            <a:off x="1328760" y="1371600"/>
-            <a:ext cx="7763760" cy="3657600"/>
-          </a:xfrm>
-          <a:prstGeom prst="rect">
-            <a:avLst/>
-          </a:prstGeom>
-          <a:ln w="0">
-            <a:noFill/>
-          </a:ln>
-        </p:spPr>
-      </p:pic>
-      <p:sp>
-        <p:nvSpPr>
-          <p:cNvPr id="3" name="PlaceHolder 2"/>
+      <p:sp>
+        <p:nvSpPr>
+          <p:cNvPr id="105" name="PlaceHolder 2"/>
+          <p:cNvSpPr>
+            <a:spLocks noGrp="1"/>
+          </p:cNvSpPr>
+          <p:nvPr>
+            <p:ph/>
+          </p:nvPr>
+        </p:nvSpPr>
+        <p:spPr>
+          <a:xfrm>
+            <a:off x="504000" y="1326600"/>
+            <a:ext cx="9071280" cy="3474000"/>
+          </a:xfrm>
+          <a:prstGeom prst="rect">
+            <a:avLst/>
+          </a:prstGeom>
+          <a:noFill/>
+          <a:ln w="0">
+            <a:noFill/>
+          </a:ln>
+        </p:spPr>
+        <p:txBody>
+          <a:bodyPr lIns="0" rIns="0" tIns="0" bIns="0" anchor="t">
+            <a:normAutofit fontScale="76000"/>
+          </a:bodyPr>
+          <a:p>
+            <a:r>
+              <a:rPr b="0" lang="en-US" sz="2000" spc="-1" strike="noStrike">
+                <a:latin typeface="Arial"/>
+              </a:rPr>
+              <a:t>Micro-processor only understand binary instruction code and the instruction set differs from one machine to another</a:t>
+            </a:r>
+            <a:endParaRPr b="0" lang="en-US" sz="2000" spc="-1" strike="noStrike">
+              <a:latin typeface="Arial"/>
+            </a:endParaRPr>
+          </a:p>
+          <a:p>
+            <a:r>
+              <a:rPr b="0" lang="en-US" sz="2000" spc="-1" strike="noStrike">
+                <a:latin typeface="Arial"/>
+              </a:rPr>
+              <a:t>High level languages abstract programming and compilers translate the high level code to machine instructions</a:t>
+            </a:r>
+            <a:endParaRPr b="0" lang="en-US" sz="2000" spc="-1" strike="noStrike">
+              <a:latin typeface="Arial"/>
+            </a:endParaRPr>
+          </a:p>
+          <a:p>
+            <a:r>
+              <a:rPr b="0" lang="en-US" sz="2000" spc="-1" strike="noStrike">
+                <a:latin typeface="Arial"/>
+              </a:rPr>
+              <a:t>Since resources on the micro-computer are limited the compiler runs on a different machine (PC).</a:t>
+            </a:r>
+            <a:endParaRPr b="0" lang="en-US" sz="2000" spc="-1" strike="noStrike">
+              <a:latin typeface="Arial"/>
+            </a:endParaRPr>
+          </a:p>
+          <a:p>
+            <a:r>
+              <a:rPr b="0" lang="en-US" sz="2000" spc="-1" strike="noStrike">
+                <a:latin typeface="Arial"/>
+              </a:rPr>
+              <a:t>This is called cross-compilation in contrast to native compilation</a:t>
+            </a:r>
+            <a:endParaRPr b="0" lang="en-US" sz="2000" spc="-1" strike="noStrike">
+              <a:latin typeface="Arial"/>
+            </a:endParaRPr>
+          </a:p>
+          <a:p>
+            <a:r>
+              <a:rPr b="0" lang="en-US" sz="2000" spc="-1" strike="noStrike">
+                <a:latin typeface="Arial"/>
+              </a:rPr>
+              <a:t>The Arduino </a:t>
+            </a:r>
+            <a:r>
+              <a:rPr b="1" lang="en-US" sz="2000" spc="-1" strike="noStrike">
+                <a:latin typeface="Arial"/>
+              </a:rPr>
+              <a:t>S</a:t>
+            </a:r>
+            <a:r>
+              <a:rPr b="0" lang="en-US" sz="2000" spc="-1" strike="noStrike">
+                <a:latin typeface="Arial"/>
+              </a:rPr>
+              <a:t>oftware </a:t>
+            </a:r>
+            <a:r>
+              <a:rPr b="1" lang="en-US" sz="2000" spc="-1" strike="noStrike">
+                <a:latin typeface="Arial"/>
+              </a:rPr>
+              <a:t>D</a:t>
+            </a:r>
+            <a:r>
+              <a:rPr b="0" lang="en-US" sz="2000" spc="-1" strike="noStrike">
+                <a:latin typeface="Arial"/>
+              </a:rPr>
+              <a:t>evelopment </a:t>
+            </a:r>
+            <a:r>
+              <a:rPr b="1" lang="en-US" sz="2000" spc="-1" strike="noStrike">
+                <a:latin typeface="Arial"/>
+              </a:rPr>
+              <a:t>K</a:t>
+            </a:r>
+            <a:r>
+              <a:rPr b="0" lang="en-US" sz="2000" spc="-1" strike="noStrike">
+                <a:latin typeface="Arial"/>
+              </a:rPr>
+              <a:t>it (SDK) integrates </a:t>
+            </a:r>
+            <a:endParaRPr b="0" lang="en-US" sz="2000" spc="-1" strike="noStrike">
+              <a:latin typeface="Arial"/>
+            </a:endParaRPr>
+          </a:p>
+          <a:p>
+            <a:pPr marL="432000" indent="-324000">
+              <a:spcBef>
+                <a:spcPts val="1417"/>
+              </a:spcBef>
+              <a:buClr>
+                <a:srgbClr val="000000"/>
+              </a:buClr>
+              <a:buSzPct val="45000"/>
+              <a:buFont typeface="Wingdings" charset="2"/>
+              <a:buChar char=""/>
+            </a:pPr>
+            <a:r>
+              <a:rPr b="0" lang="en-US" sz="2000" spc="-1" strike="noStrike">
+                <a:latin typeface="Arial"/>
+              </a:rPr>
+              <a:t>Source code editor</a:t>
+            </a:r>
+            <a:endParaRPr b="0" lang="en-US" sz="2000" spc="-1" strike="noStrike">
+              <a:latin typeface="Arial"/>
+            </a:endParaRPr>
+          </a:p>
+          <a:p>
+            <a:pPr marL="432000" indent="-324000">
+              <a:spcBef>
+                <a:spcPts val="1417"/>
+              </a:spcBef>
+              <a:buClr>
+                <a:srgbClr val="000000"/>
+              </a:buClr>
+              <a:buSzPct val="45000"/>
+              <a:buFont typeface="Wingdings" charset="2"/>
+              <a:buChar char=""/>
+            </a:pPr>
+            <a:r>
+              <a:rPr b="0" lang="en-US" sz="2000" spc="-1" strike="noStrike">
+                <a:latin typeface="Arial"/>
+              </a:rPr>
+              <a:t>Compiler </a:t>
+            </a:r>
+            <a:endParaRPr b="0" lang="en-US" sz="2000" spc="-1" strike="noStrike">
+              <a:latin typeface="Arial"/>
+            </a:endParaRPr>
+          </a:p>
+          <a:p>
+            <a:pPr marL="432000" indent="-324000">
+              <a:spcBef>
+                <a:spcPts val="1417"/>
+              </a:spcBef>
+              <a:buClr>
+                <a:srgbClr val="000000"/>
+              </a:buClr>
+              <a:buSzPct val="45000"/>
+              <a:buFont typeface="Wingdings" charset="2"/>
+              <a:buChar char=""/>
+            </a:pPr>
+            <a:r>
+              <a:rPr b="0" lang="en-US" sz="2000" spc="-1" strike="noStrike">
+                <a:latin typeface="Arial"/>
+              </a:rPr>
+              <a:t>Up-loader</a:t>
+            </a:r>
+            <a:endParaRPr b="0" lang="en-US" sz="2000" spc="-1" strike="noStrike">
+              <a:latin typeface="Arial"/>
+            </a:endParaRPr>
+          </a:p>
+          <a:p>
+            <a:r>
+              <a:rPr b="0" lang="en-US" sz="2000" spc="-1" strike="noStrike">
+                <a:latin typeface="Arial"/>
+              </a:rPr>
+              <a:t>into a single system (</a:t>
+            </a:r>
+            <a:r>
+              <a:rPr b="1" lang="en-US" sz="2000" spc="-1" strike="noStrike">
+                <a:latin typeface="Arial"/>
+              </a:rPr>
+              <a:t>I</a:t>
+            </a:r>
+            <a:r>
+              <a:rPr b="0" lang="en-US" sz="2000" spc="-1" strike="noStrike">
+                <a:latin typeface="Arial"/>
+              </a:rPr>
+              <a:t>ntegrated </a:t>
+            </a:r>
+            <a:r>
+              <a:rPr b="1" lang="en-US" sz="2000" spc="-1" strike="noStrike">
+                <a:latin typeface="Arial"/>
+              </a:rPr>
+              <a:t>D</a:t>
+            </a:r>
+            <a:r>
+              <a:rPr b="0" lang="en-US" sz="2000" spc="-1" strike="noStrike">
+                <a:latin typeface="Arial"/>
+              </a:rPr>
+              <a:t>evelopment </a:t>
+            </a:r>
+            <a:r>
+              <a:rPr b="1" lang="en-US" sz="2000" spc="-1" strike="noStrike">
+                <a:latin typeface="Arial"/>
+              </a:rPr>
+              <a:t>E</a:t>
+            </a:r>
+            <a:r>
+              <a:rPr b="0" lang="en-US" sz="2000" spc="-1" strike="noStrike">
+                <a:latin typeface="Arial"/>
+              </a:rPr>
+              <a:t>nvironment IDE)</a:t>
+            </a:r>
+            <a:endParaRPr b="0" lang="en-US" sz="2000" spc="-1" strike="noStrike">
+              <a:latin typeface="Arial"/>
+            </a:endParaRPr>
+          </a:p>
+          <a:p>
+            <a:pPr marL="432000" indent="-324000">
+              <a:spcBef>
+                <a:spcPts val="1417"/>
+              </a:spcBef>
+              <a:buClr>
+                <a:srgbClr val="000000"/>
+              </a:buClr>
+              <a:buSzPct val="45000"/>
+              <a:buFont typeface="Wingdings" charset="2"/>
+              <a:buChar char=""/>
+            </a:pPr>
+            <a:endParaRPr b="0" lang="en-US" sz="2000" spc="-1" strike="noStrike">
+              <a:latin typeface="Arial"/>
+            </a:endParaRPr>
+          </a:p>
+        </p:txBody>
+      </p:sp>
+      <p:sp>
+        <p:nvSpPr>
+          <p:cNvPr id="4" name="PlaceHolder 3"/>
           <p:cNvSpPr>
             <a:spLocks noGrp="1"/>
           </p:cNvSpPr>
@@ -8727,7 +10029,7 @@
       </p:sp>
       <p:sp>
         <p:nvSpPr>
-          <p:cNvPr id="4" name="PlaceHolder 3"/>
+          <p:cNvPr id="5" name="PlaceHolder 4"/>
           <p:cNvSpPr>
             <a:spLocks noGrp="1"/>
           </p:cNvSpPr>
@@ -8739,7 +10041,7 @@
         <p:txBody>
           <a:bodyPr/>
           <a:p>
-            <a:fld id="{4FD48292-7C96-4579-909F-5E4F5114A838}" type="slidenum">
+            <a:fld id="{FDEC1270-7C13-4235-8491-06E11C18A113}" type="slidenum">
               <a:t>9</a:t>
             </a:fld>
           </a:p>
@@ -8747,7 +10049,7 @@
       </p:sp>
       <p:sp>
         <p:nvSpPr>
-          <p:cNvPr id="5" name="PlaceHolder 4"/>
+          <p:cNvPr id="6" name="PlaceHolder 5"/>
           <p:cNvSpPr>
             <a:spLocks noGrp="1"/>
           </p:cNvSpPr>
